--- a/presentation/MVP presentation.pptx
+++ b/presentation/MVP presentation.pptx
@@ -13,7 +13,10 @@
     <p:sldId id="260" r:id="rId7"/>
     <p:sldId id="262" r:id="rId8"/>
     <p:sldId id="264" r:id="rId9"/>
-    <p:sldId id="263" r:id="rId10"/>
+    <p:sldId id="267" r:id="rId10"/>
+    <p:sldId id="268" r:id="rId11"/>
+    <p:sldId id="265" r:id="rId12"/>
+    <p:sldId id="266" r:id="rId13"/>
   </p:sldIdLst>
   <p:sldSz cx="12192000" cy="6858000"/>
   <p:notesSz cx="6858000" cy="9144000"/>
@@ -112,6 +115,11 @@
       </a:defRPr>
     </a:lvl9pPr>
   </p:defaultTextStyle>
+  <p:extLst>
+    <p:ext uri="{EFAFB233-063F-42B5-8137-9DF3F51BA10A}">
+      <p15:sldGuideLst xmlns:p15="http://schemas.microsoft.com/office/powerpoint/2012/main"/>
+    </p:ext>
+  </p:extLst>
 </p:presentation>
 </file>
 
@@ -270,7 +278,7 @@
           <a:p>
             <a:fld id="{BB614494-12B1-456C-84C0-4439BD23EC7F}" type="datetimeFigureOut">
               <a:rPr lang="en-US" smtClean="0"/>
-              <a:t>2/11/2021</a:t>
+              <a:t>2/12/2021</a:t>
             </a:fld>
             <a:endParaRPr lang="en-US"/>
           </a:p>
@@ -468,7 +476,7 @@
           <a:p>
             <a:fld id="{BB614494-12B1-456C-84C0-4439BD23EC7F}" type="datetimeFigureOut">
               <a:rPr lang="en-US" smtClean="0"/>
-              <a:t>2/11/2021</a:t>
+              <a:t>2/12/2021</a:t>
             </a:fld>
             <a:endParaRPr lang="en-US"/>
           </a:p>
@@ -676,7 +684,7 @@
           <a:p>
             <a:fld id="{BB614494-12B1-456C-84C0-4439BD23EC7F}" type="datetimeFigureOut">
               <a:rPr lang="en-US" smtClean="0"/>
-              <a:t>2/11/2021</a:t>
+              <a:t>2/12/2021</a:t>
             </a:fld>
             <a:endParaRPr lang="en-US"/>
           </a:p>
@@ -874,7 +882,7 @@
           <a:p>
             <a:fld id="{BB614494-12B1-456C-84C0-4439BD23EC7F}" type="datetimeFigureOut">
               <a:rPr lang="en-US" smtClean="0"/>
-              <a:t>2/11/2021</a:t>
+              <a:t>2/12/2021</a:t>
             </a:fld>
             <a:endParaRPr lang="en-US"/>
           </a:p>
@@ -1149,7 +1157,7 @@
           <a:p>
             <a:fld id="{BB614494-12B1-456C-84C0-4439BD23EC7F}" type="datetimeFigureOut">
               <a:rPr lang="en-US" smtClean="0"/>
-              <a:t>2/11/2021</a:t>
+              <a:t>2/12/2021</a:t>
             </a:fld>
             <a:endParaRPr lang="en-US"/>
           </a:p>
@@ -1414,7 +1422,7 @@
           <a:p>
             <a:fld id="{BB614494-12B1-456C-84C0-4439BD23EC7F}" type="datetimeFigureOut">
               <a:rPr lang="en-US" smtClean="0"/>
-              <a:t>2/11/2021</a:t>
+              <a:t>2/12/2021</a:t>
             </a:fld>
             <a:endParaRPr lang="en-US"/>
           </a:p>
@@ -1826,7 +1834,7 @@
           <a:p>
             <a:fld id="{BB614494-12B1-456C-84C0-4439BD23EC7F}" type="datetimeFigureOut">
               <a:rPr lang="en-US" smtClean="0"/>
-              <a:t>2/11/2021</a:t>
+              <a:t>2/12/2021</a:t>
             </a:fld>
             <a:endParaRPr lang="en-US"/>
           </a:p>
@@ -1967,7 +1975,7 @@
           <a:p>
             <a:fld id="{BB614494-12B1-456C-84C0-4439BD23EC7F}" type="datetimeFigureOut">
               <a:rPr lang="en-US" smtClean="0"/>
-              <a:t>2/11/2021</a:t>
+              <a:t>2/12/2021</a:t>
             </a:fld>
             <a:endParaRPr lang="en-US"/>
           </a:p>
@@ -2080,7 +2088,7 @@
           <a:p>
             <a:fld id="{BB614494-12B1-456C-84C0-4439BD23EC7F}" type="datetimeFigureOut">
               <a:rPr lang="en-US" smtClean="0"/>
-              <a:t>2/11/2021</a:t>
+              <a:t>2/12/2021</a:t>
             </a:fld>
             <a:endParaRPr lang="en-US"/>
           </a:p>
@@ -2391,7 +2399,7 @@
           <a:p>
             <a:fld id="{BB614494-12B1-456C-84C0-4439BD23EC7F}" type="datetimeFigureOut">
               <a:rPr lang="en-US" smtClean="0"/>
-              <a:t>2/11/2021</a:t>
+              <a:t>2/12/2021</a:t>
             </a:fld>
             <a:endParaRPr lang="en-US"/>
           </a:p>
@@ -2679,7 +2687,7 @@
           <a:p>
             <a:fld id="{BB614494-12B1-456C-84C0-4439BD23EC7F}" type="datetimeFigureOut">
               <a:rPr lang="en-US" smtClean="0"/>
-              <a:t>2/11/2021</a:t>
+              <a:t>2/12/2021</a:t>
             </a:fld>
             <a:endParaRPr lang="en-US"/>
           </a:p>
@@ -2920,7 +2928,7 @@
           <a:p>
             <a:fld id="{BB614494-12B1-456C-84C0-4439BD23EC7F}" type="datetimeFigureOut">
               <a:rPr lang="en-US" smtClean="0"/>
-              <a:t>2/11/2021</a:t>
+              <a:t>2/12/2021</a:t>
             </a:fld>
             <a:endParaRPr lang="en-US"/>
           </a:p>
@@ -3410,6 +3418,263 @@
 </p:sld>
 </file>
 
+<file path=ppt/slides/slide10.xml><?xml version="1.0" encoding="utf-8"?>
+<p:sld xmlns:a="http://schemas.openxmlformats.org/drawingml/2006/main" xmlns:r="http://schemas.openxmlformats.org/officeDocument/2006/relationships" xmlns:p="http://schemas.openxmlformats.org/presentationml/2006/main">
+  <p:cSld>
+    <p:spTree>
+      <p:nvGrpSpPr>
+        <p:cNvPr id="1" name=""/>
+        <p:cNvGrpSpPr/>
+        <p:nvPr/>
+      </p:nvGrpSpPr>
+      <p:grpSpPr>
+        <a:xfrm>
+          <a:off x="0" y="0"/>
+          <a:ext cx="0" cy="0"/>
+          <a:chOff x="0" y="0"/>
+          <a:chExt cx="0" cy="0"/>
+        </a:xfrm>
+      </p:grpSpPr>
+      <p:sp>
+        <p:nvSpPr>
+          <p:cNvPr id="2" name="Title 1">
+            <a:extLst>
+              <a:ext uri="{FF2B5EF4-FFF2-40B4-BE49-F238E27FC236}">
+                <a16:creationId xmlns:a16="http://schemas.microsoft.com/office/drawing/2014/main" id="{E980B34A-EAA0-4B69-9705-D59AFE4177A7}"/>
+              </a:ext>
+            </a:extLst>
+          </p:cNvPr>
+          <p:cNvSpPr>
+            <a:spLocks noGrp="1"/>
+          </p:cNvSpPr>
+          <p:nvPr>
+            <p:ph type="title"/>
+          </p:nvPr>
+        </p:nvSpPr>
+        <p:spPr/>
+        <p:txBody>
+          <a:bodyPr/>
+          <a:lstStyle/>
+          <a:p>
+            <a:r>
+              <a:rPr lang="en-US" b="1" dirty="0">
+                <a:latin typeface="Century Gothic" panose="020B0502020202020204" pitchFamily="34" charset="0"/>
+              </a:rPr>
+              <a:t>Next Steps</a:t>
+            </a:r>
+          </a:p>
+        </p:txBody>
+      </p:sp>
+      <p:sp>
+        <p:nvSpPr>
+          <p:cNvPr id="3" name="Content Placeholder 2">
+            <a:extLst>
+              <a:ext uri="{FF2B5EF4-FFF2-40B4-BE49-F238E27FC236}">
+                <a16:creationId xmlns:a16="http://schemas.microsoft.com/office/drawing/2014/main" id="{24D4E1BD-46E9-4A9E-9222-8A7FFE4FBF81}"/>
+              </a:ext>
+            </a:extLst>
+          </p:cNvPr>
+          <p:cNvSpPr>
+            <a:spLocks noGrp="1"/>
+          </p:cNvSpPr>
+          <p:nvPr>
+            <p:ph idx="1"/>
+          </p:nvPr>
+        </p:nvSpPr>
+        <p:spPr/>
+        <p:txBody>
+          <a:bodyPr/>
+          <a:lstStyle/>
+          <a:p>
+            <a:r>
+              <a:rPr lang="en-US" dirty="0"/>
+              <a:t>Use dictionary of names to improve accuracy</a:t>
+            </a:r>
+          </a:p>
+          <a:p>
+            <a:r>
+              <a:rPr lang="en-US" dirty="0"/>
+              <a:t>Transcribe larger documents</a:t>
+            </a:r>
+          </a:p>
+          <a:p>
+            <a:r>
+              <a:rPr lang="en-US" dirty="0"/>
+              <a:t>Transcribe script writing</a:t>
+            </a:r>
+          </a:p>
+        </p:txBody>
+      </p:sp>
+    </p:spTree>
+    <p:extLst>
+      <p:ext uri="{BB962C8B-B14F-4D97-AF65-F5344CB8AC3E}">
+        <p14:creationId xmlns:p14="http://schemas.microsoft.com/office/powerpoint/2010/main" val="1248692065"/>
+      </p:ext>
+    </p:extLst>
+  </p:cSld>
+  <p:clrMapOvr>
+    <a:masterClrMapping/>
+  </p:clrMapOvr>
+</p:sld>
+</file>
+
+<file path=ppt/slides/slide11.xml><?xml version="1.0" encoding="utf-8"?>
+<p:sld xmlns:a="http://schemas.openxmlformats.org/drawingml/2006/main" xmlns:r="http://schemas.openxmlformats.org/officeDocument/2006/relationships" xmlns:p="http://schemas.openxmlformats.org/presentationml/2006/main">
+  <p:cSld>
+    <p:spTree>
+      <p:nvGrpSpPr>
+        <p:cNvPr id="1" name=""/>
+        <p:cNvGrpSpPr/>
+        <p:nvPr/>
+      </p:nvGrpSpPr>
+      <p:grpSpPr>
+        <a:xfrm>
+          <a:off x="0" y="0"/>
+          <a:ext cx="0" cy="0"/>
+          <a:chOff x="0" y="0"/>
+          <a:chExt cx="0" cy="0"/>
+        </a:xfrm>
+      </p:grpSpPr>
+      <p:sp>
+        <p:nvSpPr>
+          <p:cNvPr id="2" name="Title 1">
+            <a:extLst>
+              <a:ext uri="{FF2B5EF4-FFF2-40B4-BE49-F238E27FC236}">
+                <a16:creationId xmlns:a16="http://schemas.microsoft.com/office/drawing/2014/main" id="{4844DBEF-09F3-4B0E-856B-7DB8D2A4407E}"/>
+              </a:ext>
+            </a:extLst>
+          </p:cNvPr>
+          <p:cNvSpPr>
+            <a:spLocks noGrp="1"/>
+          </p:cNvSpPr>
+          <p:nvPr>
+            <p:ph type="ctrTitle"/>
+          </p:nvPr>
+        </p:nvSpPr>
+        <p:spPr/>
+        <p:txBody>
+          <a:bodyPr/>
+          <a:lstStyle/>
+          <a:p>
+            <a:r>
+              <a:rPr lang="en-US" b="1" dirty="0">
+                <a:latin typeface="Century Gothic" panose="020B0502020202020204" pitchFamily="34" charset="0"/>
+              </a:rPr>
+              <a:t>Webb App</a:t>
+            </a:r>
+          </a:p>
+        </p:txBody>
+      </p:sp>
+      <p:sp>
+        <p:nvSpPr>
+          <p:cNvPr id="3" name="Subtitle 2">
+            <a:extLst>
+              <a:ext uri="{FF2B5EF4-FFF2-40B4-BE49-F238E27FC236}">
+                <a16:creationId xmlns:a16="http://schemas.microsoft.com/office/drawing/2014/main" id="{CF4B2D6B-4379-4AF8-930B-151924D7E54C}"/>
+              </a:ext>
+            </a:extLst>
+          </p:cNvPr>
+          <p:cNvSpPr>
+            <a:spLocks noGrp="1"/>
+          </p:cNvSpPr>
+          <p:nvPr>
+            <p:ph type="subTitle" idx="1"/>
+          </p:nvPr>
+        </p:nvSpPr>
+        <p:spPr/>
+        <p:txBody>
+          <a:bodyPr/>
+          <a:lstStyle/>
+          <a:p>
+            <a:r>
+              <a:rPr lang="en-US" dirty="0">
+                <a:latin typeface="Century Gothic" panose="020B0502020202020204" pitchFamily="34" charset="0"/>
+              </a:rPr>
+              <a:t>Hand Printed Text Image Transcriber</a:t>
+            </a:r>
+          </a:p>
+        </p:txBody>
+      </p:sp>
+    </p:spTree>
+    <p:extLst>
+      <p:ext uri="{BB962C8B-B14F-4D97-AF65-F5344CB8AC3E}">
+        <p14:creationId xmlns:p14="http://schemas.microsoft.com/office/powerpoint/2010/main" val="467410468"/>
+      </p:ext>
+    </p:extLst>
+  </p:cSld>
+  <p:clrMapOvr>
+    <a:masterClrMapping/>
+  </p:clrMapOvr>
+</p:sld>
+</file>
+
+<file path=ppt/slides/slide12.xml><?xml version="1.0" encoding="utf-8"?>
+<p:sld xmlns:a="http://schemas.openxmlformats.org/drawingml/2006/main" xmlns:r="http://schemas.openxmlformats.org/officeDocument/2006/relationships" xmlns:p="http://schemas.openxmlformats.org/presentationml/2006/main">
+  <p:cSld>
+    <p:spTree>
+      <p:nvGrpSpPr>
+        <p:cNvPr id="1" name=""/>
+        <p:cNvGrpSpPr/>
+        <p:nvPr/>
+      </p:nvGrpSpPr>
+      <p:grpSpPr>
+        <a:xfrm>
+          <a:off x="0" y="0"/>
+          <a:ext cx="0" cy="0"/>
+          <a:chOff x="0" y="0"/>
+          <a:chExt cx="0" cy="0"/>
+        </a:xfrm>
+      </p:grpSpPr>
+      <p:sp>
+        <p:nvSpPr>
+          <p:cNvPr id="2" name="TextBox 1">
+            <a:extLst>
+              <a:ext uri="{FF2B5EF4-FFF2-40B4-BE49-F238E27FC236}">
+                <a16:creationId xmlns:a16="http://schemas.microsoft.com/office/drawing/2014/main" id="{495A4354-240A-4509-BC9B-55D7319E1E14}"/>
+              </a:ext>
+            </a:extLst>
+          </p:cNvPr>
+          <p:cNvSpPr txBox="1"/>
+          <p:nvPr/>
+        </p:nvSpPr>
+        <p:spPr>
+          <a:xfrm>
+            <a:off x="4080064" y="2921169"/>
+            <a:ext cx="4031873" cy="1015663"/>
+          </a:xfrm>
+          <a:prstGeom prst="rect">
+            <a:avLst/>
+          </a:prstGeom>
+          <a:noFill/>
+        </p:spPr>
+        <p:txBody>
+          <a:bodyPr wrap="none" rtlCol="0">
+            <a:spAutoFit/>
+          </a:bodyPr>
+          <a:lstStyle/>
+          <a:p>
+            <a:r>
+              <a:rPr lang="en-US" sz="6000" b="1" dirty="0">
+                <a:latin typeface="Century Gothic" panose="020B0502020202020204" pitchFamily="34" charset="0"/>
+              </a:rPr>
+              <a:t>Thank You</a:t>
+            </a:r>
+          </a:p>
+        </p:txBody>
+      </p:sp>
+    </p:spTree>
+    <p:extLst>
+      <p:ext uri="{BB962C8B-B14F-4D97-AF65-F5344CB8AC3E}">
+        <p14:creationId xmlns:p14="http://schemas.microsoft.com/office/powerpoint/2010/main" val="2085163798"/>
+      </p:ext>
+    </p:extLst>
+  </p:cSld>
+  <p:clrMapOvr>
+    <a:masterClrMapping/>
+  </p:clrMapOvr>
+</p:sld>
+</file>
+
 <file path=ppt/slides/slide2.xml><?xml version="1.0" encoding="utf-8"?>
 <p:sld xmlns:a="http://schemas.openxmlformats.org/drawingml/2006/main" xmlns:r="http://schemas.openxmlformats.org/officeDocument/2006/relationships" xmlns:p="http://schemas.openxmlformats.org/presentationml/2006/main">
   <p:cSld>
@@ -3730,8 +3995,8 @@
         </p:nvSpPr>
         <p:spPr>
           <a:xfrm>
-            <a:off x="659459" y="1155782"/>
-            <a:ext cx="10873083" cy="4546437"/>
+            <a:off x="659458" y="1155782"/>
+            <a:ext cx="10873083" cy="3669274"/>
           </a:xfrm>
           <a:prstGeom prst="rect">
             <a:avLst/>
@@ -3746,7 +4011,7 @@
           <a:p>
             <a:pPr algn="ctr">
               <a:lnSpc>
-                <a:spcPct val="250000"/>
+                <a:spcPct val="200000"/>
               </a:lnSpc>
             </a:pPr>
             <a:r>
@@ -4083,7 +4348,7 @@
             <p:ph idx="1"/>
             <p:extLst>
               <p:ext uri="{D42A27DB-BD31-4B8C-83A1-F6EECF244321}">
-                <p14:modId xmlns:p14="http://schemas.microsoft.com/office/powerpoint/2010/main" val="3567141288"/>
+                <p14:modId xmlns:p14="http://schemas.microsoft.com/office/powerpoint/2010/main" val="3031178557"/>
               </p:ext>
             </p:extLst>
           </p:nvPr>
@@ -4219,7 +4484,10 @@
                     <a:bodyPr/>
                     <a:lstStyle/>
                     <a:p>
-                      <a:endParaRPr lang="en-US" dirty="0"/>
+                      <a:r>
+                        <a:rPr lang="en-US" dirty="0"/>
+                        <a:t>--</a:t>
+                      </a:r>
                     </a:p>
                   </a:txBody>
                   <a:tcPr/>
@@ -7846,14 +8114,6 @@
 <file path=ppt/slides/slide9.xml><?xml version="1.0" encoding="utf-8"?>
 <p:sld xmlns:a="http://schemas.openxmlformats.org/drawingml/2006/main" xmlns:r="http://schemas.openxmlformats.org/officeDocument/2006/relationships" xmlns:p="http://schemas.openxmlformats.org/presentationml/2006/main">
   <p:cSld>
-    <p:bg>
-      <p:bgPr>
-        <a:solidFill>
-          <a:schemeClr val="bg1"/>
-        </a:solidFill>
-        <a:effectLst/>
-      </p:bgPr>
-    </p:bg>
     <p:spTree>
       <p:nvGrpSpPr>
         <p:cNvPr id="1" name=""/>
@@ -7868,95 +8128,12 @@
           <a:chExt cx="0" cy="0"/>
         </a:xfrm>
       </p:grpSpPr>
-      <p:pic>
-        <p:nvPicPr>
-          <p:cNvPr id="8" name="Picture 10">
-            <a:extLst>
-              <a:ext uri="{FF2B5EF4-FFF2-40B4-BE49-F238E27FC236}">
-                <a16:creationId xmlns:a16="http://schemas.microsoft.com/office/drawing/2014/main" id="{54DDEBDD-D8BD-41A6-8A0D-B00E3768B0F9}"/>
-              </a:ext>
-              <a:ext uri="{C183D7F6-B498-43B3-948B-1728B52AA6E4}">
-                <adec:decorative xmlns:adec="http://schemas.microsoft.com/office/drawing/2017/decorative" val="1"/>
-              </a:ext>
-            </a:extLst>
-          </p:cNvPr>
-          <p:cNvPicPr>
-            <a:picLocks noGrp="1" noRot="1" noChangeAspect="1" noMove="1" noResize="1" noEditPoints="1" noAdjustHandles="1" noChangeArrowheads="1" noChangeShapeType="1" noCrop="1"/>
-          </p:cNvPicPr>
-          <p:nvPr>
-            <p:extLst>
-              <p:ext uri="{386F3935-93C4-4BCD-93E2-E3B085C9AB24}">
-                <p16:designElem xmlns:p16="http://schemas.microsoft.com/office/powerpoint/2015/main" val="1"/>
-              </p:ext>
-            </p:extLst>
-          </p:nvPr>
-        </p:nvPicPr>
-        <p:blipFill>
-          <a:blip r:embed="rId2">
-            <a:extLst>
-              <a:ext uri="{28A0092B-C50C-407E-A947-70E740481C1C}">
-                <a14:useLocalDpi xmlns:a14="http://schemas.microsoft.com/office/drawing/2010/main" val="0"/>
-              </a:ext>
-            </a:extLst>
-          </a:blip>
-          <a:stretch>
-            <a:fillRect/>
-          </a:stretch>
-        </p:blipFill>
-        <p:spPr>
-          <a:xfrm flipH="1" flipV="1">
-            <a:off x="0" y="0"/>
-            <a:ext cx="12192000" cy="6858000"/>
-          </a:xfrm>
-          <a:prstGeom prst="rect">
-            <a:avLst/>
-          </a:prstGeom>
-        </p:spPr>
-      </p:pic>
-      <p:pic>
-        <p:nvPicPr>
-          <p:cNvPr id="6" name="Content Placeholder 5">
-            <a:extLst>
-              <a:ext uri="{FF2B5EF4-FFF2-40B4-BE49-F238E27FC236}">
-                <a16:creationId xmlns:a16="http://schemas.microsoft.com/office/drawing/2014/main" id="{AB616EB1-B446-4C1B-BC91-C2D2C6A547AA}"/>
-              </a:ext>
-            </a:extLst>
-          </p:cNvPr>
-          <p:cNvPicPr>
-            <a:picLocks noGrp="1" noChangeAspect="1"/>
-          </p:cNvPicPr>
-          <p:nvPr>
-            <p:ph idx="1"/>
-          </p:nvPr>
-        </p:nvPicPr>
-        <p:blipFill rotWithShape="1">
-          <a:blip r:embed="rId3">
-            <a:alphaModFix/>
-            <a:extLst>
-              <a:ext uri="{28A0092B-C50C-407E-A947-70E740481C1C}">
-                <a14:useLocalDpi xmlns:a14="http://schemas.microsoft.com/office/drawing/2010/main" val="0"/>
-              </a:ext>
-            </a:extLst>
-          </a:blip>
-          <a:srcRect r="812"/>
-          <a:stretch/>
-        </p:blipFill>
-        <p:spPr>
-          <a:xfrm>
-            <a:off x="5797543" y="10"/>
-            <a:ext cx="6394152" cy="6857990"/>
-          </a:xfrm>
-          <a:prstGeom prst="rect">
-            <a:avLst/>
-          </a:prstGeom>
-        </p:spPr>
-      </p:pic>
       <p:sp>
         <p:nvSpPr>
           <p:cNvPr id="2" name="Title 1">
             <a:extLst>
               <a:ext uri="{FF2B5EF4-FFF2-40B4-BE49-F238E27FC236}">
-                <a16:creationId xmlns:a16="http://schemas.microsoft.com/office/drawing/2014/main" id="{FDCD7470-A5CE-4B77-9D5C-D7471979E940}"/>
+                <a16:creationId xmlns:a16="http://schemas.microsoft.com/office/drawing/2014/main" id="{6535097F-3E3E-4A6E-95C6-60F58F5E118A}"/>
               </a:ext>
             </a:extLst>
           </p:cNvPr>
@@ -7967,23 +8144,13 @@
             <p:ph type="title"/>
           </p:nvPr>
         </p:nvSpPr>
-        <p:spPr>
-          <a:xfrm>
-            <a:off x="804998" y="798445"/>
-            <a:ext cx="4803636" cy="1311664"/>
-          </a:xfrm>
-        </p:spPr>
-        <p:txBody>
-          <a:bodyPr vert="horz" lIns="91440" tIns="45720" rIns="91440" bIns="45720" rtlCol="0" anchor="ctr">
-            <a:normAutofit/>
-          </a:bodyPr>
-          <a:lstStyle/>
-          <a:p>
-            <a:r>
-              <a:rPr lang="en-US" sz="4000" b="1" dirty="0">
-                <a:solidFill>
-                  <a:srgbClr val="000000"/>
-                </a:solidFill>
+        <p:spPr/>
+        <p:txBody>
+          <a:bodyPr/>
+          <a:lstStyle/>
+          <a:p>
+            <a:r>
+              <a:rPr lang="en-US" b="1" dirty="0">
                 <a:latin typeface="Century Gothic" panose="020B0502020202020204" pitchFamily="34" charset="0"/>
               </a:rPr>
               <a:t>Model Evaluation</a:t>
@@ -7991,48 +8158,12 @@
           </a:p>
         </p:txBody>
       </p:sp>
-      <p:sp>
-        <p:nvSpPr>
-          <p:cNvPr id="4" name="Text Placeholder 3">
-            <a:extLst>
-              <a:ext uri="{FF2B5EF4-FFF2-40B4-BE49-F238E27FC236}">
-                <a16:creationId xmlns:a16="http://schemas.microsoft.com/office/drawing/2014/main" id="{49C82A88-2564-46C6-80BE-765DCCE2BEB1}"/>
-              </a:ext>
-            </a:extLst>
-          </p:cNvPr>
-          <p:cNvSpPr>
-            <a:spLocks noGrp="1"/>
-          </p:cNvSpPr>
-          <p:nvPr>
-            <p:ph type="body" sz="half" idx="2"/>
-          </p:nvPr>
-        </p:nvSpPr>
-        <p:spPr>
-          <a:xfrm>
-            <a:off x="804997" y="2272143"/>
-            <a:ext cx="4706803" cy="3788830"/>
-          </a:xfrm>
-        </p:spPr>
-        <p:txBody>
-          <a:bodyPr vert="horz" lIns="91440" tIns="45720" rIns="91440" bIns="45720" rtlCol="0" anchor="t">
-            <a:normAutofit/>
-          </a:bodyPr>
-          <a:lstStyle/>
-          <a:p>
-            <a:endParaRPr lang="en-US" sz="2000" dirty="0">
-              <a:solidFill>
-                <a:srgbClr val="000000"/>
-              </a:solidFill>
-            </a:endParaRPr>
-          </a:p>
-        </p:txBody>
-      </p:sp>
       <p:graphicFrame>
         <p:nvGraphicFramePr>
-          <p:cNvPr id="7" name="Table 8">
-            <a:extLst>
-              <a:ext uri="{FF2B5EF4-FFF2-40B4-BE49-F238E27FC236}">
-                <a16:creationId xmlns:a16="http://schemas.microsoft.com/office/drawing/2014/main" id="{7C9F5CE3-992D-4BE4-B59D-F1D87E6785A5}"/>
+          <p:cNvPr id="4" name="Table 4">
+            <a:extLst>
+              <a:ext uri="{FF2B5EF4-FFF2-40B4-BE49-F238E27FC236}">
+                <a16:creationId xmlns:a16="http://schemas.microsoft.com/office/drawing/2014/main" id="{8DFF20E6-25BA-4E44-89D0-FF0BF9B16F40}"/>
               </a:ext>
             </a:extLst>
           </p:cNvPr>
@@ -8040,48 +8171,51 @@
             <a:graphicFrameLocks noGrp="1"/>
           </p:cNvGraphicFramePr>
           <p:nvPr>
+            <p:ph idx="1"/>
             <p:extLst>
               <p:ext uri="{D42A27DB-BD31-4B8C-83A1-F6EECF244321}">
-                <p14:modId xmlns:p14="http://schemas.microsoft.com/office/powerpoint/2010/main" val="614378713"/>
+                <p14:modId xmlns:p14="http://schemas.microsoft.com/office/powerpoint/2010/main" val="698674"/>
               </p:ext>
             </p:extLst>
           </p:nvPr>
         </p:nvGraphicFramePr>
         <p:xfrm>
-          <a:off x="804997" y="2272142"/>
-          <a:ext cx="4706804" cy="790654"/>
+          <a:off x="838200" y="1690688"/>
+          <a:ext cx="4572000" cy="2595880"/>
         </p:xfrm>
         <a:graphic>
           <a:graphicData uri="http://schemas.openxmlformats.org/drawingml/2006/table">
             <a:tbl>
               <a:tblPr firstRow="1" bandRow="1">
-                <a:tableStyleId>{7DF18680-E054-41AD-8BC1-D1AEF772440D}</a:tableStyleId>
+                <a:tableStyleId>{2D5ABB26-0587-4C30-8999-92F81FD0307C}</a:tableStyleId>
               </a:tblPr>
               <a:tblGrid>
-                <a:gridCol w="2353402">
+                <a:gridCol w="2286000">
                   <a:extLst>
                     <a:ext uri="{9D8B030D-6E8A-4147-A177-3AD203B41FA5}">
-                      <a16:colId xmlns:a16="http://schemas.microsoft.com/office/drawing/2014/main" val="2996158123"/>
+                      <a16:colId xmlns:a16="http://schemas.microsoft.com/office/drawing/2014/main" val="3480944555"/>
                     </a:ext>
                   </a:extLst>
                 </a:gridCol>
-                <a:gridCol w="2353402">
+                <a:gridCol w="2286000">
                   <a:extLst>
                     <a:ext uri="{9D8B030D-6E8A-4147-A177-3AD203B41FA5}">
-                      <a16:colId xmlns:a16="http://schemas.microsoft.com/office/drawing/2014/main" val="1594556451"/>
+                      <a16:colId xmlns:a16="http://schemas.microsoft.com/office/drawing/2014/main" val="3701836316"/>
                     </a:ext>
                   </a:extLst>
                 </a:gridCol>
               </a:tblGrid>
-              <a:tr h="395327">
+              <a:tr h="370840">
                 <a:tc>
                   <a:txBody>
                     <a:bodyPr/>
                     <a:lstStyle/>
                     <a:p>
                       <a:r>
-                        <a:rPr lang="en-US" dirty="0"/>
-                        <a:t>Name Image</a:t>
+                        <a:rPr lang="en-US" b="1" dirty="0">
+                          <a:latin typeface="Century Gothic" panose="020B0502020202020204" pitchFamily="34" charset="0"/>
+                        </a:rPr>
+                        <a:t>Name</a:t>
                       </a:r>
                     </a:p>
                   </a:txBody>
@@ -8093,8 +8227,10 @@
                     <a:lstStyle/>
                     <a:p>
                       <a:r>
-                        <a:rPr lang="en-US" dirty="0"/>
-                        <a:t>Prediction</a:t>
+                        <a:rPr lang="en-US" b="1" dirty="0">
+                          <a:latin typeface="Century Gothic" panose="020B0502020202020204" pitchFamily="34" charset="0"/>
+                        </a:rPr>
+                        <a:t>Transcription</a:t>
                       </a:r>
                     </a:p>
                   </a:txBody>
@@ -8102,11 +8238,11 @@
                 </a:tc>
                 <a:extLst>
                   <a:ext uri="{0D108BD9-81ED-4DB2-BD59-A6C34878D82A}">
-                    <a16:rowId xmlns:a16="http://schemas.microsoft.com/office/drawing/2014/main" val="2471784484"/>
+                    <a16:rowId xmlns:a16="http://schemas.microsoft.com/office/drawing/2014/main" val="3416544425"/>
                   </a:ext>
                 </a:extLst>
               </a:tr>
-              <a:tr h="395327">
+              <a:tr h="370840">
                 <a:tc>
                   <a:txBody>
                     <a:bodyPr/>
@@ -8122,14 +8258,167 @@
                     <a:bodyPr/>
                     <a:lstStyle/>
                     <a:p>
-                      <a:endParaRPr lang="en-US" dirty="0"/>
+                      <a:r>
+                        <a:rPr lang="en-US" dirty="0"/>
+                        <a:t>CLARA</a:t>
+                      </a:r>
                     </a:p>
                   </a:txBody>
                   <a:tcPr/>
                 </a:tc>
                 <a:extLst>
                   <a:ext uri="{0D108BD9-81ED-4DB2-BD59-A6C34878D82A}">
-                    <a16:rowId xmlns:a16="http://schemas.microsoft.com/office/drawing/2014/main" val="2608072676"/>
+                    <a16:rowId xmlns:a16="http://schemas.microsoft.com/office/drawing/2014/main" val="2723244425"/>
+                  </a:ext>
+                </a:extLst>
+              </a:tr>
+              <a:tr h="370840">
+                <a:tc>
+                  <a:txBody>
+                    <a:bodyPr/>
+                    <a:lstStyle/>
+                    <a:p>
+                      <a:endParaRPr lang="en-US" dirty="0"/>
+                    </a:p>
+                  </a:txBody>
+                  <a:tcPr/>
+                </a:tc>
+                <a:tc>
+                  <a:txBody>
+                    <a:bodyPr/>
+                    <a:lstStyle/>
+                    <a:p>
+                      <a:r>
+                        <a:rPr lang="en-US" dirty="0"/>
+                        <a:t>JENNIFER</a:t>
+                      </a:r>
+                    </a:p>
+                  </a:txBody>
+                  <a:tcPr/>
+                </a:tc>
+                <a:extLst>
+                  <a:ext uri="{0D108BD9-81ED-4DB2-BD59-A6C34878D82A}">
+                    <a16:rowId xmlns:a16="http://schemas.microsoft.com/office/drawing/2014/main" val="1283301827"/>
+                  </a:ext>
+                </a:extLst>
+              </a:tr>
+              <a:tr h="370840">
+                <a:tc>
+                  <a:txBody>
+                    <a:bodyPr/>
+                    <a:lstStyle/>
+                    <a:p>
+                      <a:endParaRPr lang="en-US" dirty="0"/>
+                    </a:p>
+                  </a:txBody>
+                  <a:tcPr/>
+                </a:tc>
+                <a:tc>
+                  <a:txBody>
+                    <a:bodyPr/>
+                    <a:lstStyle/>
+                    <a:p>
+                      <a:r>
+                        <a:rPr lang="en-US" dirty="0"/>
+                        <a:t>MICHHEL</a:t>
+                      </a:r>
+                    </a:p>
+                  </a:txBody>
+                  <a:tcPr/>
+                </a:tc>
+                <a:extLst>
+                  <a:ext uri="{0D108BD9-81ED-4DB2-BD59-A6C34878D82A}">
+                    <a16:rowId xmlns:a16="http://schemas.microsoft.com/office/drawing/2014/main" val="2207335299"/>
+                  </a:ext>
+                </a:extLst>
+              </a:tr>
+              <a:tr h="370840">
+                <a:tc>
+                  <a:txBody>
+                    <a:bodyPr/>
+                    <a:lstStyle/>
+                    <a:p>
+                      <a:endParaRPr lang="en-US" dirty="0"/>
+                    </a:p>
+                  </a:txBody>
+                  <a:tcPr/>
+                </a:tc>
+                <a:tc>
+                  <a:txBody>
+                    <a:bodyPr/>
+                    <a:lstStyle/>
+                    <a:p>
+                      <a:r>
+                        <a:rPr lang="en-US" dirty="0"/>
+                        <a:t>6E0R6E</a:t>
+                      </a:r>
+                    </a:p>
+                  </a:txBody>
+                  <a:tcPr/>
+                </a:tc>
+                <a:extLst>
+                  <a:ext uri="{0D108BD9-81ED-4DB2-BD59-A6C34878D82A}">
+                    <a16:rowId xmlns:a16="http://schemas.microsoft.com/office/drawing/2014/main" val="3571114201"/>
+                  </a:ext>
+                </a:extLst>
+              </a:tr>
+              <a:tr h="370840">
+                <a:tc>
+                  <a:txBody>
+                    <a:bodyPr/>
+                    <a:lstStyle/>
+                    <a:p>
+                      <a:endParaRPr lang="en-US" dirty="0"/>
+                    </a:p>
+                  </a:txBody>
+                  <a:tcPr/>
+                </a:tc>
+                <a:tc>
+                  <a:txBody>
+                    <a:bodyPr/>
+                    <a:lstStyle/>
+                    <a:p>
+                      <a:r>
+                        <a:rPr lang="en-US" dirty="0"/>
+                        <a:t>E175A</a:t>
+                      </a:r>
+                    </a:p>
+                  </a:txBody>
+                  <a:tcPr/>
+                </a:tc>
+                <a:extLst>
+                  <a:ext uri="{0D108BD9-81ED-4DB2-BD59-A6C34878D82A}">
+                    <a16:rowId xmlns:a16="http://schemas.microsoft.com/office/drawing/2014/main" val="3071089610"/>
+                  </a:ext>
+                </a:extLst>
+              </a:tr>
+              <a:tr h="370840">
+                <a:tc>
+                  <a:txBody>
+                    <a:bodyPr/>
+                    <a:lstStyle/>
+                    <a:p>
+                      <a:endParaRPr lang="en-US" dirty="0"/>
+                    </a:p>
+                  </a:txBody>
+                  <a:tcPr/>
+                </a:tc>
+                <a:tc>
+                  <a:txBody>
+                    <a:bodyPr/>
+                    <a:lstStyle/>
+                    <a:p>
+                      <a:r>
+                        <a:rPr lang="en-US" dirty="0"/>
+                        <a:t>TH0MA5</a:t>
+                      </a:r>
+                    </a:p>
+                  </a:txBody>
+                  <a:tcPr/>
+                </a:tc>
+                <a:extLst>
+                  <a:ext uri="{0D108BD9-81ED-4DB2-BD59-A6C34878D82A}">
+                    <a16:rowId xmlns:a16="http://schemas.microsoft.com/office/drawing/2014/main" val="3632818657"/>
                   </a:ext>
                 </a:extLst>
               </a:tr>
@@ -8137,10 +8426,413 @@
           </a:graphicData>
         </a:graphic>
       </p:graphicFrame>
+      <p:grpSp>
+        <p:nvGrpSpPr>
+          <p:cNvPr id="17" name="Group 16">
+            <a:extLst>
+              <a:ext uri="{FF2B5EF4-FFF2-40B4-BE49-F238E27FC236}">
+                <a16:creationId xmlns:a16="http://schemas.microsoft.com/office/drawing/2014/main" id="{2991FF26-A7B2-4DA8-A742-F071FB96EF02}"/>
+              </a:ext>
+            </a:extLst>
+          </p:cNvPr>
+          <p:cNvGrpSpPr/>
+          <p:nvPr/>
+        </p:nvGrpSpPr>
+        <p:grpSpPr>
+          <a:xfrm>
+            <a:off x="838200" y="2072458"/>
+            <a:ext cx="3086100" cy="2362980"/>
+            <a:chOff x="3810000" y="2207395"/>
+            <a:chExt cx="3086100" cy="2362980"/>
+          </a:xfrm>
+        </p:grpSpPr>
+        <p:pic>
+          <p:nvPicPr>
+            <p:cNvPr id="6" name="Picture 5">
+              <a:extLst>
+                <a:ext uri="{FF2B5EF4-FFF2-40B4-BE49-F238E27FC236}">
+                  <a16:creationId xmlns:a16="http://schemas.microsoft.com/office/drawing/2014/main" id="{9EAACC1D-54D5-4FAA-A6B3-9C9E8895A58D}"/>
+                </a:ext>
+              </a:extLst>
+            </p:cNvPr>
+            <p:cNvPicPr>
+              <a:picLocks noChangeAspect="1"/>
+            </p:cNvPicPr>
+            <p:nvPr/>
+          </p:nvPicPr>
+          <p:blipFill>
+            <a:blip r:embed="rId2">
+              <a:extLst>
+                <a:ext uri="{BEBA8EAE-BF5A-486C-A8C5-ECC9F3942E4B}">
+                  <a14:imgProps xmlns:a14="http://schemas.microsoft.com/office/drawing/2010/main">
+                    <a14:imgLayer r:embed="rId3">
+                      <a14:imgEffect>
+                        <a14:backgroundRemoval t="9091" b="86364" l="926" r="89815">
+                          <a14:foregroundMark x1="6173" y1="31818" x2="7099" y2="65909"/>
+                          <a14:foregroundMark x1="9568" y1="29545" x2="10494" y2="59091"/>
+                          <a14:foregroundMark x1="16049" y1="29545" x2="16667" y2="31818"/>
+                          <a14:foregroundMark x1="23765" y1="34091" x2="8333" y2="68182"/>
+                          <a14:foregroundMark x1="8333" y1="68182" x2="14198" y2="47727"/>
+                          <a14:foregroundMark x1="25926" y1="29545" x2="25617" y2="68182"/>
+                          <a14:foregroundMark x1="26235" y1="27273" x2="25000" y2="70455"/>
+                          <a14:foregroundMark x1="21914" y1="68182" x2="12654" y2="72727"/>
+                          <a14:foregroundMark x1="7099" y1="77273" x2="7716" y2="36364"/>
+                          <a14:foregroundMark x1="26852" y1="56818" x2="28395" y2="72727"/>
+                          <a14:foregroundMark x1="2778" y1="27273" x2="926" y2="56818"/>
+                          <a14:backgroundMark x1="92593" y1="15909" x2="79321" y2="81818"/>
+                          <a14:backgroundMark x1="79321" y1="81818" x2="78395" y2="81818"/>
+                          <a14:backgroundMark x1="76543" y1="27273" x2="74074" y2="90909"/>
+                        </a14:backgroundRemoval>
+                      </a14:imgEffect>
+                    </a14:imgLayer>
+                  </a14:imgProps>
+                </a:ext>
+                <a:ext uri="{28A0092B-C50C-407E-A947-70E740481C1C}">
+                  <a14:useLocalDpi xmlns:a14="http://schemas.microsoft.com/office/drawing/2010/main" val="0"/>
+                </a:ext>
+              </a:extLst>
+            </a:blip>
+            <a:stretch>
+              <a:fillRect/>
+            </a:stretch>
+          </p:blipFill>
+          <p:spPr>
+            <a:xfrm>
+              <a:off x="3810000" y="2207395"/>
+              <a:ext cx="3086100" cy="419100"/>
+            </a:xfrm>
+            <a:prstGeom prst="rect">
+              <a:avLst/>
+            </a:prstGeom>
+          </p:spPr>
+        </p:pic>
+        <p:pic>
+          <p:nvPicPr>
+            <p:cNvPr id="8" name="Picture 7">
+              <a:extLst>
+                <a:ext uri="{FF2B5EF4-FFF2-40B4-BE49-F238E27FC236}">
+                  <a16:creationId xmlns:a16="http://schemas.microsoft.com/office/drawing/2014/main" id="{FEA6A567-7781-4240-AE49-DA65A27F9AE8}"/>
+                </a:ext>
+              </a:extLst>
+            </p:cNvPr>
+            <p:cNvPicPr>
+              <a:picLocks noChangeAspect="1"/>
+            </p:cNvPicPr>
+            <p:nvPr/>
+          </p:nvPicPr>
+          <p:blipFill>
+            <a:blip r:embed="rId4">
+              <a:extLst>
+                <a:ext uri="{BEBA8EAE-BF5A-486C-A8C5-ECC9F3942E4B}">
+                  <a14:imgProps xmlns:a14="http://schemas.microsoft.com/office/drawing/2010/main">
+                    <a14:imgLayer r:embed="rId5">
+                      <a14:imgEffect>
+                        <a14:backgroundRemoval t="9091" b="88636" l="3086" r="89815">
+                          <a14:foregroundMark x1="35494" y1="47727" x2="8642" y2="59091"/>
+                          <a14:foregroundMark x1="8642" y1="59091" x2="23765" y2="15909"/>
+                          <a14:foregroundMark x1="23765" y1="15909" x2="42593" y2="22727"/>
+                          <a14:foregroundMark x1="42593" y1="22727" x2="27469" y2="63636"/>
+                          <a14:foregroundMark x1="27469" y1="63636" x2="11420" y2="45455"/>
+                          <a14:foregroundMark x1="11420" y1="45455" x2="3086" y2="54545"/>
+                          <a14:foregroundMark x1="44136" y1="61364" x2="43827" y2="61364"/>
+                          <a14:foregroundMark x1="42593" y1="40909" x2="44136" y2="77273"/>
+                          <a14:foregroundMark x1="42593" y1="31818" x2="45370" y2="65909"/>
+                          <a14:backgroundMark x1="99074" y1="6818" x2="86728" y2="90909"/>
+                          <a14:backgroundMark x1="86728" y1="90909" x2="99691" y2="31818"/>
+                        </a14:backgroundRemoval>
+                      </a14:imgEffect>
+                    </a14:imgLayer>
+                  </a14:imgProps>
+                </a:ext>
+                <a:ext uri="{28A0092B-C50C-407E-A947-70E740481C1C}">
+                  <a14:useLocalDpi xmlns:a14="http://schemas.microsoft.com/office/drawing/2010/main" val="0"/>
+                </a:ext>
+              </a:extLst>
+            </a:blip>
+            <a:stretch>
+              <a:fillRect/>
+            </a:stretch>
+          </p:blipFill>
+          <p:spPr>
+            <a:xfrm>
+              <a:off x="3810000" y="2551882"/>
+              <a:ext cx="3086100" cy="419100"/>
+            </a:xfrm>
+            <a:prstGeom prst="rect">
+              <a:avLst/>
+            </a:prstGeom>
+          </p:spPr>
+        </p:pic>
+        <p:pic>
+          <p:nvPicPr>
+            <p:cNvPr id="10" name="Picture 9">
+              <a:extLst>
+                <a:ext uri="{FF2B5EF4-FFF2-40B4-BE49-F238E27FC236}">
+                  <a16:creationId xmlns:a16="http://schemas.microsoft.com/office/drawing/2014/main" id="{A99D55B1-A859-4047-9A65-F5EAC4EA7234}"/>
+                </a:ext>
+              </a:extLst>
+            </p:cNvPr>
+            <p:cNvPicPr>
+              <a:picLocks noChangeAspect="1"/>
+            </p:cNvPicPr>
+            <p:nvPr/>
+          </p:nvPicPr>
+          <p:blipFill>
+            <a:blip r:embed="rId6">
+              <a:extLst>
+                <a:ext uri="{BEBA8EAE-BF5A-486C-A8C5-ECC9F3942E4B}">
+                  <a14:imgProps xmlns:a14="http://schemas.microsoft.com/office/drawing/2010/main">
+                    <a14:imgLayer r:embed="rId7">
+                      <a14:imgEffect>
+                        <a14:backgroundRemoval t="9091" b="97727" l="1852" r="89815">
+                          <a14:foregroundMark x1="40123" y1="2273" x2="28086" y2="95455"/>
+                          <a14:foregroundMark x1="28086" y1="95455" x2="10494" y2="18182"/>
+                          <a14:foregroundMark x1="10494" y1="18182" x2="41975" y2="72727"/>
+                          <a14:foregroundMark x1="41975" y1="72727" x2="18827" y2="72727"/>
+                          <a14:foregroundMark x1="18827" y1="72727" x2="4012" y2="36364"/>
+                          <a14:foregroundMark x1="4012" y1="36364" x2="5556" y2="72727"/>
+                          <a14:foregroundMark x1="1852" y1="29545" x2="3086" y2="97727"/>
+                        </a14:backgroundRemoval>
+                      </a14:imgEffect>
+                    </a14:imgLayer>
+                  </a14:imgProps>
+                </a:ext>
+                <a:ext uri="{28A0092B-C50C-407E-A947-70E740481C1C}">
+                  <a14:useLocalDpi xmlns:a14="http://schemas.microsoft.com/office/drawing/2010/main" val="0"/>
+                </a:ext>
+              </a:extLst>
+            </a:blip>
+            <a:stretch>
+              <a:fillRect/>
+            </a:stretch>
+          </p:blipFill>
+          <p:spPr>
+            <a:xfrm>
+              <a:off x="3810000" y="2938145"/>
+              <a:ext cx="3086100" cy="419100"/>
+            </a:xfrm>
+            <a:prstGeom prst="rect">
+              <a:avLst/>
+            </a:prstGeom>
+          </p:spPr>
+        </p:pic>
+        <p:pic>
+          <p:nvPicPr>
+            <p:cNvPr id="12" name="Picture 11">
+              <a:extLst>
+                <a:ext uri="{FF2B5EF4-FFF2-40B4-BE49-F238E27FC236}">
+                  <a16:creationId xmlns:a16="http://schemas.microsoft.com/office/drawing/2014/main" id="{A88E8051-73DE-4774-98C9-63DA8AF3F61E}"/>
+                </a:ext>
+              </a:extLst>
+            </p:cNvPr>
+            <p:cNvPicPr>
+              <a:picLocks noChangeAspect="1"/>
+            </p:cNvPicPr>
+            <p:nvPr/>
+          </p:nvPicPr>
+          <p:blipFill>
+            <a:blip r:embed="rId8">
+              <a:extLst>
+                <a:ext uri="{BEBA8EAE-BF5A-486C-A8C5-ECC9F3942E4B}">
+                  <a14:imgProps xmlns:a14="http://schemas.microsoft.com/office/drawing/2010/main">
+                    <a14:imgLayer r:embed="rId9">
+                      <a14:imgEffect>
+                        <a14:backgroundRemoval t="0" b="86364" l="0" r="89815">
+                          <a14:foregroundMark x1="3395" y1="36364" x2="24691" y2="61364"/>
+                          <a14:foregroundMark x1="24691" y1="61364" x2="7716" y2="34091"/>
+                          <a14:foregroundMark x1="7716" y1="34091" x2="27469" y2="50000"/>
+                          <a14:foregroundMark x1="27469" y1="50000" x2="10802" y2="88636"/>
+                          <a14:foregroundMark x1="10802" y1="88636" x2="4012" y2="65909"/>
+                          <a14:foregroundMark x1="35185" y1="9091" x2="24074" y2="90909"/>
+                          <a14:foregroundMark x1="24074" y1="90909" x2="8025" y2="63636"/>
+                          <a14:foregroundMark x1="8025" y1="63636" x2="0" y2="2273"/>
+                          <a14:foregroundMark x1="37346" y1="0" x2="30864" y2="63636"/>
+                          <a14:foregroundMark x1="37346" y1="18182" x2="33951" y2="79545"/>
+                        </a14:backgroundRemoval>
+                      </a14:imgEffect>
+                    </a14:imgLayer>
+                  </a14:imgProps>
+                </a:ext>
+                <a:ext uri="{28A0092B-C50C-407E-A947-70E740481C1C}">
+                  <a14:useLocalDpi xmlns:a14="http://schemas.microsoft.com/office/drawing/2010/main" val="0"/>
+                </a:ext>
+              </a:extLst>
+            </a:blip>
+            <a:stretch>
+              <a:fillRect/>
+            </a:stretch>
+          </p:blipFill>
+          <p:spPr>
+            <a:xfrm>
+              <a:off x="3810000" y="3357751"/>
+              <a:ext cx="3086100" cy="419100"/>
+            </a:xfrm>
+            <a:prstGeom prst="rect">
+              <a:avLst/>
+            </a:prstGeom>
+          </p:spPr>
+        </p:pic>
+        <p:pic>
+          <p:nvPicPr>
+            <p:cNvPr id="14" name="Picture 13">
+              <a:extLst>
+                <a:ext uri="{FF2B5EF4-FFF2-40B4-BE49-F238E27FC236}">
+                  <a16:creationId xmlns:a16="http://schemas.microsoft.com/office/drawing/2014/main" id="{76550DEB-C5FE-4F7D-91CD-E1CA75D16D99}"/>
+                </a:ext>
+              </a:extLst>
+            </p:cNvPr>
+            <p:cNvPicPr>
+              <a:picLocks noChangeAspect="1"/>
+            </p:cNvPicPr>
+            <p:nvPr/>
+          </p:nvPicPr>
+          <p:blipFill>
+            <a:blip r:embed="rId10">
+              <a:extLst>
+                <a:ext uri="{BEBA8EAE-BF5A-486C-A8C5-ECC9F3942E4B}">
+                  <a14:imgProps xmlns:a14="http://schemas.microsoft.com/office/drawing/2010/main">
+                    <a14:imgLayer r:embed="rId11">
+                      <a14:imgEffect>
+                        <a14:backgroundRemoval t="2273" b="95455" l="1852" r="89815">
+                          <a14:foregroundMark x1="32099" y1="15909" x2="20679" y2="95455"/>
+                          <a14:foregroundMark x1="20679" y1="95455" x2="5247" y2="88636"/>
+                          <a14:foregroundMark x1="5247" y1="88636" x2="4321" y2="36364"/>
+                          <a14:foregroundMark x1="27469" y1="18182" x2="8333" y2="59091"/>
+                          <a14:foregroundMark x1="8333" y1="59091" x2="27160" y2="59091"/>
+                          <a14:foregroundMark x1="27160" y1="59091" x2="8025" y2="70455"/>
+                          <a14:foregroundMark x1="8025" y1="70455" x2="24074" y2="13636"/>
+                          <a14:foregroundMark x1="24074" y1="13636" x2="7099" y2="47727"/>
+                          <a14:foregroundMark x1="7099" y1="47727" x2="22222" y2="2273"/>
+                          <a14:foregroundMark x1="22222" y1="2273" x2="9877" y2="45455"/>
+                          <a14:foregroundMark x1="27778" y1="54545" x2="27160" y2="77273"/>
+                          <a14:foregroundMark x1="4012" y1="52273" x2="1852" y2="95455"/>
+                        </a14:backgroundRemoval>
+                      </a14:imgEffect>
+                    </a14:imgLayer>
+                  </a14:imgProps>
+                </a:ext>
+                <a:ext uri="{28A0092B-C50C-407E-A947-70E740481C1C}">
+                  <a14:useLocalDpi xmlns:a14="http://schemas.microsoft.com/office/drawing/2010/main" val="0"/>
+                </a:ext>
+              </a:extLst>
+            </a:blip>
+            <a:stretch>
+              <a:fillRect/>
+            </a:stretch>
+          </p:blipFill>
+          <p:spPr>
+            <a:xfrm>
+              <a:off x="3810000" y="3728933"/>
+              <a:ext cx="3086100" cy="419100"/>
+            </a:xfrm>
+            <a:prstGeom prst="rect">
+              <a:avLst/>
+            </a:prstGeom>
+          </p:spPr>
+        </p:pic>
+        <p:pic>
+          <p:nvPicPr>
+            <p:cNvPr id="16" name="Picture 15">
+              <a:extLst>
+                <a:ext uri="{FF2B5EF4-FFF2-40B4-BE49-F238E27FC236}">
+                  <a16:creationId xmlns:a16="http://schemas.microsoft.com/office/drawing/2014/main" id="{3A50EF2C-DC3D-4090-8C14-466022CAD59F}"/>
+                </a:ext>
+              </a:extLst>
+            </p:cNvPr>
+            <p:cNvPicPr>
+              <a:picLocks noChangeAspect="1"/>
+            </p:cNvPicPr>
+            <p:nvPr/>
+          </p:nvPicPr>
+          <p:blipFill>
+            <a:blip r:embed="rId12">
+              <a:extLst>
+                <a:ext uri="{BEBA8EAE-BF5A-486C-A8C5-ECC9F3942E4B}">
+                  <a14:imgProps xmlns:a14="http://schemas.microsoft.com/office/drawing/2010/main">
+                    <a14:imgLayer r:embed="rId13">
+                      <a14:imgEffect>
+                        <a14:backgroundRemoval t="9091" b="88636" l="1543" r="89815">
+                          <a14:foregroundMark x1="35494" y1="36364" x2="18827" y2="93182"/>
+                          <a14:foregroundMark x1="18827" y1="93182" x2="35802" y2="34091"/>
+                          <a14:foregroundMark x1="35802" y1="34091" x2="20062" y2="47727"/>
+                          <a14:foregroundMark x1="20062" y1="47727" x2="38272" y2="4545"/>
+                          <a14:foregroundMark x1="38272" y1="4545" x2="28395" y2="95455"/>
+                          <a14:foregroundMark x1="28395" y1="95455" x2="17901" y2="2273"/>
+                          <a14:foregroundMark x1="17901" y1="2273" x2="4938" y2="95455"/>
+                          <a14:foregroundMark x1="4938" y1="95455" x2="15432" y2="6818"/>
+                          <a14:foregroundMark x1="15432" y1="6818" x2="4938" y2="93182"/>
+                          <a14:foregroundMark x1="4938" y1="93182" x2="17593" y2="4545"/>
+                          <a14:foregroundMark x1="17593" y1="4545" x2="2160" y2="9091"/>
+                          <a14:foregroundMark x1="2160" y1="9091" x2="1543" y2="47727"/>
+                          <a14:backgroundMark x1="91975" y1="2273" x2="79938" y2="84091"/>
+                          <a14:backgroundMark x1="79938" y1="84091" x2="79938" y2="0"/>
+                          <a14:backgroundMark x1="77778" y1="9091" x2="77469" y2="15909"/>
+                          <a14:backgroundMark x1="73765" y1="22727" x2="67901" y2="13636"/>
+                        </a14:backgroundRemoval>
+                      </a14:imgEffect>
+                    </a14:imgLayer>
+                  </a14:imgProps>
+                </a:ext>
+                <a:ext uri="{28A0092B-C50C-407E-A947-70E740481C1C}">
+                  <a14:useLocalDpi xmlns:a14="http://schemas.microsoft.com/office/drawing/2010/main" val="0"/>
+                </a:ext>
+              </a:extLst>
+            </a:blip>
+            <a:stretch>
+              <a:fillRect/>
+            </a:stretch>
+          </p:blipFill>
+          <p:spPr>
+            <a:xfrm>
+              <a:off x="3810000" y="4151275"/>
+              <a:ext cx="3086100" cy="419100"/>
+            </a:xfrm>
+            <a:prstGeom prst="rect">
+              <a:avLst/>
+            </a:prstGeom>
+          </p:spPr>
+        </p:pic>
+      </p:grpSp>
+      <p:pic>
+        <p:nvPicPr>
+          <p:cNvPr id="18" name="Content Placeholder 5">
+            <a:extLst>
+              <a:ext uri="{FF2B5EF4-FFF2-40B4-BE49-F238E27FC236}">
+                <a16:creationId xmlns:a16="http://schemas.microsoft.com/office/drawing/2014/main" id="{AFE3F688-88C3-412C-9491-31940E8CD512}"/>
+              </a:ext>
+            </a:extLst>
+          </p:cNvPr>
+          <p:cNvPicPr>
+            <a:picLocks noChangeAspect="1"/>
+          </p:cNvPicPr>
+          <p:nvPr/>
+        </p:nvPicPr>
+        <p:blipFill rotWithShape="1">
+          <a:blip r:embed="rId14">
+            <a:alphaModFix/>
+            <a:extLst>
+              <a:ext uri="{28A0092B-C50C-407E-A947-70E740481C1C}">
+                <a14:useLocalDpi xmlns:a14="http://schemas.microsoft.com/office/drawing/2010/main" val="0"/>
+              </a:ext>
+            </a:extLst>
+          </a:blip>
+          <a:srcRect r="812"/>
+          <a:stretch/>
+        </p:blipFill>
+        <p:spPr>
+          <a:xfrm>
+            <a:off x="5797543" y="10"/>
+            <a:ext cx="6394152" cy="6857990"/>
+          </a:xfrm>
+          <a:prstGeom prst="rect">
+            <a:avLst/>
+          </a:prstGeom>
+        </p:spPr>
+      </p:pic>
     </p:spTree>
     <p:extLst>
       <p:ext uri="{BB962C8B-B14F-4D97-AF65-F5344CB8AC3E}">
-        <p14:creationId xmlns:p14="http://schemas.microsoft.com/office/powerpoint/2010/main" val="2190937165"/>
+        <p14:creationId xmlns:p14="http://schemas.microsoft.com/office/powerpoint/2010/main" val="1175078707"/>
       </p:ext>
     </p:extLst>
   </p:cSld>

--- a/presentation/MVP presentation.pptx
+++ b/presentation/MVP presentation.pptx
@@ -3500,7 +3500,7 @@
           <a:p>
             <a:r>
               <a:rPr lang="en-US" dirty="0"/>
-              <a:t>Transcribe script writing</a:t>
+              <a:t>Transcribe script writings</a:t>
             </a:r>
           </a:p>
         </p:txBody>
@@ -3784,7 +3784,7 @@
               <a:rPr lang="en-US" dirty="0">
                 <a:latin typeface="Century Gothic" panose="020B0502020202020204" pitchFamily="34" charset="0"/>
               </a:rPr>
-              <a:t>Web app</a:t>
+              <a:t>Next Steps</a:t>
             </a:r>
           </a:p>
           <a:p>
@@ -3792,7 +3792,7 @@
               <a:rPr lang="en-US" dirty="0">
                 <a:latin typeface="Century Gothic" panose="020B0502020202020204" pitchFamily="34" charset="0"/>
               </a:rPr>
-              <a:t>Next steps</a:t>
+              <a:t>Web app</a:t>
             </a:r>
             <a:br>
               <a:rPr lang="en-US" dirty="0">
@@ -4198,6 +4198,14 @@
               <a:rPr lang="en-US" sz="2400" dirty="0">
                 <a:latin typeface="Century Gothic" panose="020B0502020202020204" pitchFamily="34" charset="0"/>
               </a:rPr>
+              <a:t>39 Classes</a:t>
+            </a:r>
+          </a:p>
+          <a:p>
+            <a:r>
+              <a:rPr lang="en-US" sz="2400" dirty="0">
+                <a:latin typeface="Century Gothic" panose="020B0502020202020204" pitchFamily="34" charset="0"/>
+              </a:rPr>
               <a:t>834,036 training samples, 22,524 validation samples</a:t>
             </a:r>
           </a:p>
@@ -4233,7 +4241,7 @@
               <a:rPr lang="en-US" dirty="0">
                 <a:latin typeface="Century Gothic" panose="020B0502020202020204" pitchFamily="34" charset="0"/>
               </a:rPr>
-              <a:t>Handwritten Names Recognition</a:t>
+              <a:t>Handwritten Names</a:t>
             </a:r>
           </a:p>
         </p:txBody>

--- a/presentation/MVP presentation.pptx
+++ b/presentation/MVP presentation.pptx
@@ -123,12 +123,75 @@
 </p:presentation>
 </file>
 
+<file path=ppt/commentAuthors.xml><?xml version="1.0" encoding="utf-8"?>
+<p:cmAuthorLst xmlns:a="http://schemas.openxmlformats.org/drawingml/2006/main" xmlns:r="http://schemas.openxmlformats.org/officeDocument/2006/relationships" xmlns:p="http://schemas.openxmlformats.org/presentationml/2006/main">
+  <p:cmAuthor id="1" name="Edward De Jesus" initials="EDJ" lastIdx="4" clrIdx="0">
+    <p:extLst>
+      <p:ext uri="{19B8F6BF-5375-455C-9EA6-DF929625EA0E}">
+        <p15:presenceInfo xmlns:p15="http://schemas.microsoft.com/office/powerpoint/2012/main" userId="042fa1f60dd14578" providerId="Windows Live"/>
+      </p:ext>
+    </p:extLst>
+  </p:cmAuthor>
+</p:cmAuthorLst>
+</file>
+
 <file path=ppt/revisionInfo.xml><?xml version="1.0" encoding="utf-8"?>
 <p1510:revInfo xmlns:a="http://schemas.openxmlformats.org/drawingml/2006/main" xmlns:r="http://schemas.openxmlformats.org/officeDocument/2006/relationships" xmlns:p1510="http://schemas.microsoft.com/office/powerpoint/2015/10/main">
   <p1510:revLst>
     <p1510:client id="{CCA62A06-40DB-4D04-9A7C-16523424EF4C}" v="211" dt="2021-02-12T04:54:18.225"/>
   </p1510:revLst>
 </p1510:revInfo>
+</file>
+
+<file path=ppt/comments/comment1.xml><?xml version="1.0" encoding="utf-8"?>
+<p:cmLst xmlns:a="http://schemas.openxmlformats.org/drawingml/2006/main" xmlns:r="http://schemas.openxmlformats.org/officeDocument/2006/relationships" xmlns:p="http://schemas.openxmlformats.org/presentationml/2006/main">
+  <p:cm authorId="1" dt="2021-02-13T12:56:56.580" idx="2">
+    <p:pos x="4248" y="2899"/>
+    <p:text>Make name do a join animation</p:text>
+    <p:extLst>
+      <p:ext uri="{C676402C-5697-4E1C-873F-D02D1690AC5C}">
+        <p15:threadingInfo xmlns:p15="http://schemas.microsoft.com/office/powerpoint/2012/main" timeZoneBias="300"/>
+      </p:ext>
+    </p:extLst>
+  </p:cm>
+  <p:cm authorId="1" dt="2021-02-13T12:57:19.416" idx="3">
+    <p:pos x="2922" y="1338"/>
+    <p:text>Find way of better explainin this process</p:text>
+    <p:extLst>
+      <p:ext uri="{C676402C-5697-4E1C-873F-D02D1690AC5C}">
+        <p15:threadingInfo xmlns:p15="http://schemas.microsoft.com/office/powerpoint/2012/main" timeZoneBias="300"/>
+      </p:ext>
+    </p:extLst>
+  </p:cm>
+</p:cmLst>
+</file>
+
+<file path=ppt/comments/comment2.xml><?xml version="1.0" encoding="utf-8"?>
+<p:cmLst xmlns:a="http://schemas.openxmlformats.org/drawingml/2006/main" xmlns:r="http://schemas.openxmlformats.org/officeDocument/2006/relationships" xmlns:p="http://schemas.openxmlformats.org/presentationml/2006/main">
+  <p:cm authorId="1" dt="2021-02-13T12:56:19.091" idx="1">
+    <p:pos x="10" y="10"/>
+    <p:text>Insert examples of lower case names</p:text>
+    <p:extLst>
+      <p:ext uri="{C676402C-5697-4E1C-873F-D02D1690AC5C}">
+        <p15:threadingInfo xmlns:p15="http://schemas.microsoft.com/office/powerpoint/2012/main" timeZoneBias="300"/>
+      </p:ext>
+    </p:extLst>
+  </p:cm>
+</p:cmLst>
+</file>
+
+<file path=ppt/comments/comment3.xml><?xml version="1.0" encoding="utf-8"?>
+<p:cmLst xmlns:a="http://schemas.openxmlformats.org/drawingml/2006/main" xmlns:r="http://schemas.openxmlformats.org/officeDocument/2006/relationships" xmlns:p="http://schemas.openxmlformats.org/presentationml/2006/main">
+  <p:cm authorId="1" dt="2021-02-13T12:58:41.305" idx="4">
+    <p:pos x="2035" y="1175"/>
+    <p:text>use george from previous slide as an example of how a dictionary would help</p:text>
+    <p:extLst>
+      <p:ext uri="{C676402C-5697-4E1C-873F-D02D1690AC5C}">
+        <p15:threadingInfo xmlns:p15="http://schemas.microsoft.com/office/powerpoint/2012/main" timeZoneBias="300"/>
+      </p:ext>
+    </p:extLst>
+  </p:cm>
+</p:cmLst>
 </file>
 
 <file path=ppt/slideLayouts/slideLayout1.xml><?xml version="1.0" encoding="utf-8"?>
@@ -278,7 +341,7 @@
           <a:p>
             <a:fld id="{BB614494-12B1-456C-84C0-4439BD23EC7F}" type="datetimeFigureOut">
               <a:rPr lang="en-US" smtClean="0"/>
-              <a:t>2/12/2021</a:t>
+              <a:t>2/13/2021</a:t>
             </a:fld>
             <a:endParaRPr lang="en-US"/>
           </a:p>
@@ -476,7 +539,7 @@
           <a:p>
             <a:fld id="{BB614494-12B1-456C-84C0-4439BD23EC7F}" type="datetimeFigureOut">
               <a:rPr lang="en-US" smtClean="0"/>
-              <a:t>2/12/2021</a:t>
+              <a:t>2/13/2021</a:t>
             </a:fld>
             <a:endParaRPr lang="en-US"/>
           </a:p>
@@ -684,7 +747,7 @@
           <a:p>
             <a:fld id="{BB614494-12B1-456C-84C0-4439BD23EC7F}" type="datetimeFigureOut">
               <a:rPr lang="en-US" smtClean="0"/>
-              <a:t>2/12/2021</a:t>
+              <a:t>2/13/2021</a:t>
             </a:fld>
             <a:endParaRPr lang="en-US"/>
           </a:p>
@@ -882,7 +945,7 @@
           <a:p>
             <a:fld id="{BB614494-12B1-456C-84C0-4439BD23EC7F}" type="datetimeFigureOut">
               <a:rPr lang="en-US" smtClean="0"/>
-              <a:t>2/12/2021</a:t>
+              <a:t>2/13/2021</a:t>
             </a:fld>
             <a:endParaRPr lang="en-US"/>
           </a:p>
@@ -1157,7 +1220,7 @@
           <a:p>
             <a:fld id="{BB614494-12B1-456C-84C0-4439BD23EC7F}" type="datetimeFigureOut">
               <a:rPr lang="en-US" smtClean="0"/>
-              <a:t>2/12/2021</a:t>
+              <a:t>2/13/2021</a:t>
             </a:fld>
             <a:endParaRPr lang="en-US"/>
           </a:p>
@@ -1422,7 +1485,7 @@
           <a:p>
             <a:fld id="{BB614494-12B1-456C-84C0-4439BD23EC7F}" type="datetimeFigureOut">
               <a:rPr lang="en-US" smtClean="0"/>
-              <a:t>2/12/2021</a:t>
+              <a:t>2/13/2021</a:t>
             </a:fld>
             <a:endParaRPr lang="en-US"/>
           </a:p>
@@ -1834,7 +1897,7 @@
           <a:p>
             <a:fld id="{BB614494-12B1-456C-84C0-4439BD23EC7F}" type="datetimeFigureOut">
               <a:rPr lang="en-US" smtClean="0"/>
-              <a:t>2/12/2021</a:t>
+              <a:t>2/13/2021</a:t>
             </a:fld>
             <a:endParaRPr lang="en-US"/>
           </a:p>
@@ -1975,7 +2038,7 @@
           <a:p>
             <a:fld id="{BB614494-12B1-456C-84C0-4439BD23EC7F}" type="datetimeFigureOut">
               <a:rPr lang="en-US" smtClean="0"/>
-              <a:t>2/12/2021</a:t>
+              <a:t>2/13/2021</a:t>
             </a:fld>
             <a:endParaRPr lang="en-US"/>
           </a:p>
@@ -2088,7 +2151,7 @@
           <a:p>
             <a:fld id="{BB614494-12B1-456C-84C0-4439BD23EC7F}" type="datetimeFigureOut">
               <a:rPr lang="en-US" smtClean="0"/>
-              <a:t>2/12/2021</a:t>
+              <a:t>2/13/2021</a:t>
             </a:fld>
             <a:endParaRPr lang="en-US"/>
           </a:p>
@@ -2399,7 +2462,7 @@
           <a:p>
             <a:fld id="{BB614494-12B1-456C-84C0-4439BD23EC7F}" type="datetimeFigureOut">
               <a:rPr lang="en-US" smtClean="0"/>
-              <a:t>2/12/2021</a:t>
+              <a:t>2/13/2021</a:t>
             </a:fld>
             <a:endParaRPr lang="en-US"/>
           </a:p>
@@ -2687,7 +2750,7 @@
           <a:p>
             <a:fld id="{BB614494-12B1-456C-84C0-4439BD23EC7F}" type="datetimeFigureOut">
               <a:rPr lang="en-US" smtClean="0"/>
-              <a:t>2/12/2021</a:t>
+              <a:t>2/13/2021</a:t>
             </a:fld>
             <a:endParaRPr lang="en-US"/>
           </a:p>
@@ -2928,7 +2991,7 @@
           <a:p>
             <a:fld id="{BB614494-12B1-456C-84C0-4439BD23EC7F}" type="datetimeFigureOut">
               <a:rPr lang="en-US" smtClean="0"/>
-              <a:t>2/12/2021</a:t>
+              <a:t>2/13/2021</a:t>
             </a:fld>
             <a:endParaRPr lang="en-US"/>
           </a:p>

--- a/presentation/MVP presentation.pptx
+++ b/presentation/MVP presentation.pptx
@@ -341,7 +341,7 @@
           <a:p>
             <a:fld id="{BB614494-12B1-456C-84C0-4439BD23EC7F}" type="datetimeFigureOut">
               <a:rPr lang="en-US" smtClean="0"/>
-              <a:t>2/13/2021</a:t>
+              <a:t>2/14/2021</a:t>
             </a:fld>
             <a:endParaRPr lang="en-US"/>
           </a:p>
@@ -539,7 +539,7 @@
           <a:p>
             <a:fld id="{BB614494-12B1-456C-84C0-4439BD23EC7F}" type="datetimeFigureOut">
               <a:rPr lang="en-US" smtClean="0"/>
-              <a:t>2/13/2021</a:t>
+              <a:t>2/14/2021</a:t>
             </a:fld>
             <a:endParaRPr lang="en-US"/>
           </a:p>
@@ -747,7 +747,7 @@
           <a:p>
             <a:fld id="{BB614494-12B1-456C-84C0-4439BD23EC7F}" type="datetimeFigureOut">
               <a:rPr lang="en-US" smtClean="0"/>
-              <a:t>2/13/2021</a:t>
+              <a:t>2/14/2021</a:t>
             </a:fld>
             <a:endParaRPr lang="en-US"/>
           </a:p>
@@ -945,7 +945,7 @@
           <a:p>
             <a:fld id="{BB614494-12B1-456C-84C0-4439BD23EC7F}" type="datetimeFigureOut">
               <a:rPr lang="en-US" smtClean="0"/>
-              <a:t>2/13/2021</a:t>
+              <a:t>2/14/2021</a:t>
             </a:fld>
             <a:endParaRPr lang="en-US"/>
           </a:p>
@@ -1220,7 +1220,7 @@
           <a:p>
             <a:fld id="{BB614494-12B1-456C-84C0-4439BD23EC7F}" type="datetimeFigureOut">
               <a:rPr lang="en-US" smtClean="0"/>
-              <a:t>2/13/2021</a:t>
+              <a:t>2/14/2021</a:t>
             </a:fld>
             <a:endParaRPr lang="en-US"/>
           </a:p>
@@ -1485,7 +1485,7 @@
           <a:p>
             <a:fld id="{BB614494-12B1-456C-84C0-4439BD23EC7F}" type="datetimeFigureOut">
               <a:rPr lang="en-US" smtClean="0"/>
-              <a:t>2/13/2021</a:t>
+              <a:t>2/14/2021</a:t>
             </a:fld>
             <a:endParaRPr lang="en-US"/>
           </a:p>
@@ -1897,7 +1897,7 @@
           <a:p>
             <a:fld id="{BB614494-12B1-456C-84C0-4439BD23EC7F}" type="datetimeFigureOut">
               <a:rPr lang="en-US" smtClean="0"/>
-              <a:t>2/13/2021</a:t>
+              <a:t>2/14/2021</a:t>
             </a:fld>
             <a:endParaRPr lang="en-US"/>
           </a:p>
@@ -2038,7 +2038,7 @@
           <a:p>
             <a:fld id="{BB614494-12B1-456C-84C0-4439BD23EC7F}" type="datetimeFigureOut">
               <a:rPr lang="en-US" smtClean="0"/>
-              <a:t>2/13/2021</a:t>
+              <a:t>2/14/2021</a:t>
             </a:fld>
             <a:endParaRPr lang="en-US"/>
           </a:p>
@@ -2151,7 +2151,7 @@
           <a:p>
             <a:fld id="{BB614494-12B1-456C-84C0-4439BD23EC7F}" type="datetimeFigureOut">
               <a:rPr lang="en-US" smtClean="0"/>
-              <a:t>2/13/2021</a:t>
+              <a:t>2/14/2021</a:t>
             </a:fld>
             <a:endParaRPr lang="en-US"/>
           </a:p>
@@ -2462,7 +2462,7 @@
           <a:p>
             <a:fld id="{BB614494-12B1-456C-84C0-4439BD23EC7F}" type="datetimeFigureOut">
               <a:rPr lang="en-US" smtClean="0"/>
-              <a:t>2/13/2021</a:t>
+              <a:t>2/14/2021</a:t>
             </a:fld>
             <a:endParaRPr lang="en-US"/>
           </a:p>
@@ -2750,7 +2750,7 @@
           <a:p>
             <a:fld id="{BB614494-12B1-456C-84C0-4439BD23EC7F}" type="datetimeFigureOut">
               <a:rPr lang="en-US" smtClean="0"/>
-              <a:t>2/13/2021</a:t>
+              <a:t>2/14/2021</a:t>
             </a:fld>
             <a:endParaRPr lang="en-US"/>
           </a:p>
@@ -2991,7 +2991,7 @@
           <a:p>
             <a:fld id="{BB614494-12B1-456C-84C0-4439BD23EC7F}" type="datetimeFigureOut">
               <a:rPr lang="en-US" smtClean="0"/>
-              <a:t>2/13/2021</a:t>
+              <a:t>2/14/2021</a:t>
             </a:fld>
             <a:endParaRPr lang="en-US"/>
           </a:p>
@@ -3408,6 +3408,729 @@
           <a:chExt cx="0" cy="0"/>
         </a:xfrm>
       </p:grpSpPr>
+      <p:pic>
+        <p:nvPicPr>
+          <p:cNvPr id="7" name="Picture 6" descr="Sticky notes on a wall">
+            <a:extLst>
+              <a:ext uri="{FF2B5EF4-FFF2-40B4-BE49-F238E27FC236}">
+                <a16:creationId xmlns:a16="http://schemas.microsoft.com/office/drawing/2014/main" id="{8CD6F6CD-B386-4041-9512-88B75631AD2C}"/>
+              </a:ext>
+            </a:extLst>
+          </p:cNvPr>
+          <p:cNvPicPr>
+            <a:picLocks noChangeAspect="1"/>
+          </p:cNvPicPr>
+          <p:nvPr/>
+        </p:nvPicPr>
+        <p:blipFill rotWithShape="1">
+          <a:blip r:embed="rId2">
+            <a:extLst>
+              <a:ext uri="{28A0092B-C50C-407E-A947-70E740481C1C}">
+                <a14:useLocalDpi xmlns:a14="http://schemas.microsoft.com/office/drawing/2010/main" val="0"/>
+              </a:ext>
+            </a:extLst>
+          </a:blip>
+          <a:srcRect b="19332"/>
+          <a:stretch/>
+        </p:blipFill>
+        <p:spPr>
+          <a:xfrm>
+            <a:off x="0" y="0"/>
+            <a:ext cx="12192000" cy="6858000"/>
+          </a:xfrm>
+          <a:prstGeom prst="rect">
+            <a:avLst/>
+          </a:prstGeom>
+        </p:spPr>
+      </p:pic>
+      <p:sp>
+        <p:nvSpPr>
+          <p:cNvPr id="9" name="Rectangle 8">
+            <a:extLst>
+              <a:ext uri="{FF2B5EF4-FFF2-40B4-BE49-F238E27FC236}">
+                <a16:creationId xmlns:a16="http://schemas.microsoft.com/office/drawing/2014/main" id="{2AB85331-31FB-4BE8-8936-24A0ECF6B3DA}"/>
+              </a:ext>
+            </a:extLst>
+          </p:cNvPr>
+          <p:cNvSpPr/>
+          <p:nvPr/>
+        </p:nvSpPr>
+        <p:spPr>
+          <a:xfrm>
+            <a:off x="1735567" y="1288229"/>
+            <a:ext cx="8720866" cy="3528508"/>
+          </a:xfrm>
+          <a:custGeom>
+            <a:avLst/>
+            <a:gdLst>
+              <a:gd name="connsiteX0" fmla="*/ 0 w 8720866"/>
+              <a:gd name="connsiteY0" fmla="*/ 0 h 3528508"/>
+              <a:gd name="connsiteX1" fmla="*/ 409210 w 8720866"/>
+              <a:gd name="connsiteY1" fmla="*/ 0 h 3528508"/>
+              <a:gd name="connsiteX2" fmla="*/ 1080046 w 8720866"/>
+              <a:gd name="connsiteY2" fmla="*/ 0 h 3528508"/>
+              <a:gd name="connsiteX3" fmla="*/ 1838090 w 8720866"/>
+              <a:gd name="connsiteY3" fmla="*/ 0 h 3528508"/>
+              <a:gd name="connsiteX4" fmla="*/ 2247300 w 8720866"/>
+              <a:gd name="connsiteY4" fmla="*/ 0 h 3528508"/>
+              <a:gd name="connsiteX5" fmla="*/ 2656510 w 8720866"/>
+              <a:gd name="connsiteY5" fmla="*/ 0 h 3528508"/>
+              <a:gd name="connsiteX6" fmla="*/ 3152928 w 8720866"/>
+              <a:gd name="connsiteY6" fmla="*/ 0 h 3528508"/>
+              <a:gd name="connsiteX7" fmla="*/ 3736556 w 8720866"/>
+              <a:gd name="connsiteY7" fmla="*/ 0 h 3528508"/>
+              <a:gd name="connsiteX8" fmla="*/ 4320183 w 8720866"/>
+              <a:gd name="connsiteY8" fmla="*/ 0 h 3528508"/>
+              <a:gd name="connsiteX9" fmla="*/ 4903810 w 8720866"/>
+              <a:gd name="connsiteY9" fmla="*/ 0 h 3528508"/>
+              <a:gd name="connsiteX10" fmla="*/ 5400229 w 8720866"/>
+              <a:gd name="connsiteY10" fmla="*/ 0 h 3528508"/>
+              <a:gd name="connsiteX11" fmla="*/ 6245482 w 8720866"/>
+              <a:gd name="connsiteY11" fmla="*/ 0 h 3528508"/>
+              <a:gd name="connsiteX12" fmla="*/ 7003526 w 8720866"/>
+              <a:gd name="connsiteY12" fmla="*/ 0 h 3528508"/>
+              <a:gd name="connsiteX13" fmla="*/ 7848779 w 8720866"/>
+              <a:gd name="connsiteY13" fmla="*/ 0 h 3528508"/>
+              <a:gd name="connsiteX14" fmla="*/ 8720866 w 8720866"/>
+              <a:gd name="connsiteY14" fmla="*/ 0 h 3528508"/>
+              <a:gd name="connsiteX15" fmla="*/ 8720866 w 8720866"/>
+              <a:gd name="connsiteY15" fmla="*/ 517515 h 3528508"/>
+              <a:gd name="connsiteX16" fmla="*/ 8720866 w 8720866"/>
+              <a:gd name="connsiteY16" fmla="*/ 1105599 h 3528508"/>
+              <a:gd name="connsiteX17" fmla="*/ 8720866 w 8720866"/>
+              <a:gd name="connsiteY17" fmla="*/ 1693684 h 3528508"/>
+              <a:gd name="connsiteX18" fmla="*/ 8720866 w 8720866"/>
+              <a:gd name="connsiteY18" fmla="*/ 2246483 h 3528508"/>
+              <a:gd name="connsiteX19" fmla="*/ 8720866 w 8720866"/>
+              <a:gd name="connsiteY19" fmla="*/ 2869853 h 3528508"/>
+              <a:gd name="connsiteX20" fmla="*/ 8720866 w 8720866"/>
+              <a:gd name="connsiteY20" fmla="*/ 3528508 h 3528508"/>
+              <a:gd name="connsiteX21" fmla="*/ 8224447 w 8720866"/>
+              <a:gd name="connsiteY21" fmla="*/ 3528508 h 3528508"/>
+              <a:gd name="connsiteX22" fmla="*/ 7815238 w 8720866"/>
+              <a:gd name="connsiteY22" fmla="*/ 3528508 h 3528508"/>
+              <a:gd name="connsiteX23" fmla="*/ 7231610 w 8720866"/>
+              <a:gd name="connsiteY23" fmla="*/ 3528508 h 3528508"/>
+              <a:gd name="connsiteX24" fmla="*/ 6386357 w 8720866"/>
+              <a:gd name="connsiteY24" fmla="*/ 3528508 h 3528508"/>
+              <a:gd name="connsiteX25" fmla="*/ 5977147 w 8720866"/>
+              <a:gd name="connsiteY25" fmla="*/ 3528508 h 3528508"/>
+              <a:gd name="connsiteX26" fmla="*/ 5219103 w 8720866"/>
+              <a:gd name="connsiteY26" fmla="*/ 3528508 h 3528508"/>
+              <a:gd name="connsiteX27" fmla="*/ 4635476 w 8720866"/>
+              <a:gd name="connsiteY27" fmla="*/ 3528508 h 3528508"/>
+              <a:gd name="connsiteX28" fmla="*/ 3790223 w 8720866"/>
+              <a:gd name="connsiteY28" fmla="*/ 3528508 h 3528508"/>
+              <a:gd name="connsiteX29" fmla="*/ 2944969 w 8720866"/>
+              <a:gd name="connsiteY29" fmla="*/ 3528508 h 3528508"/>
+              <a:gd name="connsiteX30" fmla="*/ 2274134 w 8720866"/>
+              <a:gd name="connsiteY30" fmla="*/ 3528508 h 3528508"/>
+              <a:gd name="connsiteX31" fmla="*/ 1690506 w 8720866"/>
+              <a:gd name="connsiteY31" fmla="*/ 3528508 h 3528508"/>
+              <a:gd name="connsiteX32" fmla="*/ 1281296 w 8720866"/>
+              <a:gd name="connsiteY32" fmla="*/ 3528508 h 3528508"/>
+              <a:gd name="connsiteX33" fmla="*/ 610461 w 8720866"/>
+              <a:gd name="connsiteY33" fmla="*/ 3528508 h 3528508"/>
+              <a:gd name="connsiteX34" fmla="*/ 0 w 8720866"/>
+              <a:gd name="connsiteY34" fmla="*/ 3528508 h 3528508"/>
+              <a:gd name="connsiteX35" fmla="*/ 0 w 8720866"/>
+              <a:gd name="connsiteY35" fmla="*/ 2975708 h 3528508"/>
+              <a:gd name="connsiteX36" fmla="*/ 0 w 8720866"/>
+              <a:gd name="connsiteY36" fmla="*/ 2387624 h 3528508"/>
+              <a:gd name="connsiteX37" fmla="*/ 0 w 8720866"/>
+              <a:gd name="connsiteY37" fmla="*/ 1905394 h 3528508"/>
+              <a:gd name="connsiteX38" fmla="*/ 0 w 8720866"/>
+              <a:gd name="connsiteY38" fmla="*/ 1423165 h 3528508"/>
+              <a:gd name="connsiteX39" fmla="*/ 0 w 8720866"/>
+              <a:gd name="connsiteY39" fmla="*/ 940935 h 3528508"/>
+              <a:gd name="connsiteX40" fmla="*/ 0 w 8720866"/>
+              <a:gd name="connsiteY40" fmla="*/ 0 h 3528508"/>
+            </a:gdLst>
+            <a:ahLst/>
+            <a:cxnLst>
+              <a:cxn ang="0">
+                <a:pos x="connsiteX0" y="connsiteY0"/>
+              </a:cxn>
+              <a:cxn ang="0">
+                <a:pos x="connsiteX1" y="connsiteY1"/>
+              </a:cxn>
+              <a:cxn ang="0">
+                <a:pos x="connsiteX2" y="connsiteY2"/>
+              </a:cxn>
+              <a:cxn ang="0">
+                <a:pos x="connsiteX3" y="connsiteY3"/>
+              </a:cxn>
+              <a:cxn ang="0">
+                <a:pos x="connsiteX4" y="connsiteY4"/>
+              </a:cxn>
+              <a:cxn ang="0">
+                <a:pos x="connsiteX5" y="connsiteY5"/>
+              </a:cxn>
+              <a:cxn ang="0">
+                <a:pos x="connsiteX6" y="connsiteY6"/>
+              </a:cxn>
+              <a:cxn ang="0">
+                <a:pos x="connsiteX7" y="connsiteY7"/>
+              </a:cxn>
+              <a:cxn ang="0">
+                <a:pos x="connsiteX8" y="connsiteY8"/>
+              </a:cxn>
+              <a:cxn ang="0">
+                <a:pos x="connsiteX9" y="connsiteY9"/>
+              </a:cxn>
+              <a:cxn ang="0">
+                <a:pos x="connsiteX10" y="connsiteY10"/>
+              </a:cxn>
+              <a:cxn ang="0">
+                <a:pos x="connsiteX11" y="connsiteY11"/>
+              </a:cxn>
+              <a:cxn ang="0">
+                <a:pos x="connsiteX12" y="connsiteY12"/>
+              </a:cxn>
+              <a:cxn ang="0">
+                <a:pos x="connsiteX13" y="connsiteY13"/>
+              </a:cxn>
+              <a:cxn ang="0">
+                <a:pos x="connsiteX14" y="connsiteY14"/>
+              </a:cxn>
+              <a:cxn ang="0">
+                <a:pos x="connsiteX15" y="connsiteY15"/>
+              </a:cxn>
+              <a:cxn ang="0">
+                <a:pos x="connsiteX16" y="connsiteY16"/>
+              </a:cxn>
+              <a:cxn ang="0">
+                <a:pos x="connsiteX17" y="connsiteY17"/>
+              </a:cxn>
+              <a:cxn ang="0">
+                <a:pos x="connsiteX18" y="connsiteY18"/>
+              </a:cxn>
+              <a:cxn ang="0">
+                <a:pos x="connsiteX19" y="connsiteY19"/>
+              </a:cxn>
+              <a:cxn ang="0">
+                <a:pos x="connsiteX20" y="connsiteY20"/>
+              </a:cxn>
+              <a:cxn ang="0">
+                <a:pos x="connsiteX21" y="connsiteY21"/>
+              </a:cxn>
+              <a:cxn ang="0">
+                <a:pos x="connsiteX22" y="connsiteY22"/>
+              </a:cxn>
+              <a:cxn ang="0">
+                <a:pos x="connsiteX23" y="connsiteY23"/>
+              </a:cxn>
+              <a:cxn ang="0">
+                <a:pos x="connsiteX24" y="connsiteY24"/>
+              </a:cxn>
+              <a:cxn ang="0">
+                <a:pos x="connsiteX25" y="connsiteY25"/>
+              </a:cxn>
+              <a:cxn ang="0">
+                <a:pos x="connsiteX26" y="connsiteY26"/>
+              </a:cxn>
+              <a:cxn ang="0">
+                <a:pos x="connsiteX27" y="connsiteY27"/>
+              </a:cxn>
+              <a:cxn ang="0">
+                <a:pos x="connsiteX28" y="connsiteY28"/>
+              </a:cxn>
+              <a:cxn ang="0">
+                <a:pos x="connsiteX29" y="connsiteY29"/>
+              </a:cxn>
+              <a:cxn ang="0">
+                <a:pos x="connsiteX30" y="connsiteY30"/>
+              </a:cxn>
+              <a:cxn ang="0">
+                <a:pos x="connsiteX31" y="connsiteY31"/>
+              </a:cxn>
+              <a:cxn ang="0">
+                <a:pos x="connsiteX32" y="connsiteY32"/>
+              </a:cxn>
+              <a:cxn ang="0">
+                <a:pos x="connsiteX33" y="connsiteY33"/>
+              </a:cxn>
+              <a:cxn ang="0">
+                <a:pos x="connsiteX34" y="connsiteY34"/>
+              </a:cxn>
+              <a:cxn ang="0">
+                <a:pos x="connsiteX35" y="connsiteY35"/>
+              </a:cxn>
+              <a:cxn ang="0">
+                <a:pos x="connsiteX36" y="connsiteY36"/>
+              </a:cxn>
+              <a:cxn ang="0">
+                <a:pos x="connsiteX37" y="connsiteY37"/>
+              </a:cxn>
+              <a:cxn ang="0">
+                <a:pos x="connsiteX38" y="connsiteY38"/>
+              </a:cxn>
+              <a:cxn ang="0">
+                <a:pos x="connsiteX39" y="connsiteY39"/>
+              </a:cxn>
+              <a:cxn ang="0">
+                <a:pos x="connsiteX40" y="connsiteY40"/>
+              </a:cxn>
+            </a:cxnLst>
+            <a:rect l="l" t="t" r="r" b="b"/>
+            <a:pathLst>
+              <a:path w="8720866" h="3528508" fill="none" extrusionOk="0">
+                <a:moveTo>
+                  <a:pt x="0" y="0"/>
+                </a:moveTo>
+                <a:cubicBezTo>
+                  <a:pt x="170423" y="-9125"/>
+                  <a:pt x="237786" y="-15479"/>
+                  <a:pt x="409210" y="0"/>
+                </a:cubicBezTo>
+                <a:cubicBezTo>
+                  <a:pt x="580634" y="15479"/>
+                  <a:pt x="836616" y="31034"/>
+                  <a:pt x="1080046" y="0"/>
+                </a:cubicBezTo>
+                <a:cubicBezTo>
+                  <a:pt x="1323476" y="-31034"/>
+                  <a:pt x="1481004" y="-8265"/>
+                  <a:pt x="1838090" y="0"/>
+                </a:cubicBezTo>
+                <a:cubicBezTo>
+                  <a:pt x="2195176" y="8265"/>
+                  <a:pt x="2135134" y="6252"/>
+                  <a:pt x="2247300" y="0"/>
+                </a:cubicBezTo>
+                <a:cubicBezTo>
+                  <a:pt x="2359466" y="-6252"/>
+                  <a:pt x="2487795" y="12350"/>
+                  <a:pt x="2656510" y="0"/>
+                </a:cubicBezTo>
+                <a:cubicBezTo>
+                  <a:pt x="2825225" y="-12350"/>
+                  <a:pt x="2954235" y="-18127"/>
+                  <a:pt x="3152928" y="0"/>
+                </a:cubicBezTo>
+                <a:cubicBezTo>
+                  <a:pt x="3351621" y="18127"/>
+                  <a:pt x="3486107" y="-21392"/>
+                  <a:pt x="3736556" y="0"/>
+                </a:cubicBezTo>
+                <a:cubicBezTo>
+                  <a:pt x="3987005" y="21392"/>
+                  <a:pt x="4095513" y="-5856"/>
+                  <a:pt x="4320183" y="0"/>
+                </a:cubicBezTo>
+                <a:cubicBezTo>
+                  <a:pt x="4544853" y="5856"/>
+                  <a:pt x="4704396" y="-5223"/>
+                  <a:pt x="4903810" y="0"/>
+                </a:cubicBezTo>
+                <a:cubicBezTo>
+                  <a:pt x="5103224" y="5223"/>
+                  <a:pt x="5282304" y="11423"/>
+                  <a:pt x="5400229" y="0"/>
+                </a:cubicBezTo>
+                <a:cubicBezTo>
+                  <a:pt x="5518154" y="-11423"/>
+                  <a:pt x="5989184" y="-19454"/>
+                  <a:pt x="6245482" y="0"/>
+                </a:cubicBezTo>
+                <a:cubicBezTo>
+                  <a:pt x="6501780" y="19454"/>
+                  <a:pt x="6658201" y="-25787"/>
+                  <a:pt x="7003526" y="0"/>
+                </a:cubicBezTo>
+                <a:cubicBezTo>
+                  <a:pt x="7348851" y="25787"/>
+                  <a:pt x="7594260" y="6175"/>
+                  <a:pt x="7848779" y="0"/>
+                </a:cubicBezTo>
+                <a:cubicBezTo>
+                  <a:pt x="8103298" y="-6175"/>
+                  <a:pt x="8366232" y="26027"/>
+                  <a:pt x="8720866" y="0"/>
+                </a:cubicBezTo>
+                <a:cubicBezTo>
+                  <a:pt x="8721243" y="228571"/>
+                  <a:pt x="8718237" y="399537"/>
+                  <a:pt x="8720866" y="517515"/>
+                </a:cubicBezTo>
+                <a:cubicBezTo>
+                  <a:pt x="8723495" y="635494"/>
+                  <a:pt x="8745142" y="910609"/>
+                  <a:pt x="8720866" y="1105599"/>
+                </a:cubicBezTo>
+                <a:cubicBezTo>
+                  <a:pt x="8696590" y="1300589"/>
+                  <a:pt x="8740892" y="1456019"/>
+                  <a:pt x="8720866" y="1693684"/>
+                </a:cubicBezTo>
+                <a:cubicBezTo>
+                  <a:pt x="8700840" y="1931350"/>
+                  <a:pt x="8700029" y="2114990"/>
+                  <a:pt x="8720866" y="2246483"/>
+                </a:cubicBezTo>
+                <a:cubicBezTo>
+                  <a:pt x="8741703" y="2377976"/>
+                  <a:pt x="8697906" y="2643302"/>
+                  <a:pt x="8720866" y="2869853"/>
+                </a:cubicBezTo>
+                <a:cubicBezTo>
+                  <a:pt x="8743827" y="3096404"/>
+                  <a:pt x="8729627" y="3204829"/>
+                  <a:pt x="8720866" y="3528508"/>
+                </a:cubicBezTo>
+                <a:cubicBezTo>
+                  <a:pt x="8537535" y="3541361"/>
+                  <a:pt x="8377281" y="3543132"/>
+                  <a:pt x="8224447" y="3528508"/>
+                </a:cubicBezTo>
+                <a:cubicBezTo>
+                  <a:pt x="8071613" y="3513884"/>
+                  <a:pt x="7938155" y="3518695"/>
+                  <a:pt x="7815238" y="3528508"/>
+                </a:cubicBezTo>
+                <a:cubicBezTo>
+                  <a:pt x="7692321" y="3538321"/>
+                  <a:pt x="7520573" y="3524578"/>
+                  <a:pt x="7231610" y="3528508"/>
+                </a:cubicBezTo>
+                <a:cubicBezTo>
+                  <a:pt x="6942647" y="3532438"/>
+                  <a:pt x="6596861" y="3537510"/>
+                  <a:pt x="6386357" y="3528508"/>
+                </a:cubicBezTo>
+                <a:cubicBezTo>
+                  <a:pt x="6175853" y="3519506"/>
+                  <a:pt x="6129782" y="3526873"/>
+                  <a:pt x="5977147" y="3528508"/>
+                </a:cubicBezTo>
+                <a:cubicBezTo>
+                  <a:pt x="5824512" y="3530144"/>
+                  <a:pt x="5391228" y="3535553"/>
+                  <a:pt x="5219103" y="3528508"/>
+                </a:cubicBezTo>
+                <a:cubicBezTo>
+                  <a:pt x="5046978" y="3521463"/>
+                  <a:pt x="4878931" y="3522975"/>
+                  <a:pt x="4635476" y="3528508"/>
+                </a:cubicBezTo>
+                <a:cubicBezTo>
+                  <a:pt x="4392021" y="3534041"/>
+                  <a:pt x="4180224" y="3564582"/>
+                  <a:pt x="3790223" y="3528508"/>
+                </a:cubicBezTo>
+                <a:cubicBezTo>
+                  <a:pt x="3400222" y="3492434"/>
+                  <a:pt x="3148847" y="3514150"/>
+                  <a:pt x="2944969" y="3528508"/>
+                </a:cubicBezTo>
+                <a:cubicBezTo>
+                  <a:pt x="2741091" y="3542866"/>
+                  <a:pt x="2474076" y="3516969"/>
+                  <a:pt x="2274134" y="3528508"/>
+                </a:cubicBezTo>
+                <a:cubicBezTo>
+                  <a:pt x="2074193" y="3540047"/>
+                  <a:pt x="1835413" y="3526475"/>
+                  <a:pt x="1690506" y="3528508"/>
+                </a:cubicBezTo>
+                <a:cubicBezTo>
+                  <a:pt x="1545599" y="3530541"/>
+                  <a:pt x="1483697" y="3537043"/>
+                  <a:pt x="1281296" y="3528508"/>
+                </a:cubicBezTo>
+                <a:cubicBezTo>
+                  <a:pt x="1078895" y="3519974"/>
+                  <a:pt x="887596" y="3511378"/>
+                  <a:pt x="610461" y="3528508"/>
+                </a:cubicBezTo>
+                <a:cubicBezTo>
+                  <a:pt x="333327" y="3545638"/>
+                  <a:pt x="256725" y="3550985"/>
+                  <a:pt x="0" y="3528508"/>
+                </a:cubicBezTo>
+                <a:cubicBezTo>
+                  <a:pt x="12016" y="3270136"/>
+                  <a:pt x="18538" y="3175541"/>
+                  <a:pt x="0" y="2975708"/>
+                </a:cubicBezTo>
+                <a:cubicBezTo>
+                  <a:pt x="-18538" y="2775875"/>
+                  <a:pt x="-20148" y="2588958"/>
+                  <a:pt x="0" y="2387624"/>
+                </a:cubicBezTo>
+                <a:cubicBezTo>
+                  <a:pt x="20148" y="2186290"/>
+                  <a:pt x="-16808" y="2046461"/>
+                  <a:pt x="0" y="1905394"/>
+                </a:cubicBezTo>
+                <a:cubicBezTo>
+                  <a:pt x="16808" y="1764327"/>
+                  <a:pt x="16523" y="1561196"/>
+                  <a:pt x="0" y="1423165"/>
+                </a:cubicBezTo>
+                <a:cubicBezTo>
+                  <a:pt x="-16523" y="1285134"/>
+                  <a:pt x="-17949" y="1138430"/>
+                  <a:pt x="0" y="940935"/>
+                </a:cubicBezTo>
+                <a:cubicBezTo>
+                  <a:pt x="17949" y="743440"/>
+                  <a:pt x="-33943" y="277958"/>
+                  <a:pt x="0" y="0"/>
+                </a:cubicBezTo>
+                <a:close/>
+              </a:path>
+              <a:path w="8720866" h="3528508" stroke="0" extrusionOk="0">
+                <a:moveTo>
+                  <a:pt x="0" y="0"/>
+                </a:moveTo>
+                <a:cubicBezTo>
+                  <a:pt x="189199" y="28802"/>
+                  <a:pt x="377546" y="-11197"/>
+                  <a:pt x="583627" y="0"/>
+                </a:cubicBezTo>
+                <a:cubicBezTo>
+                  <a:pt x="789708" y="11197"/>
+                  <a:pt x="894224" y="-582"/>
+                  <a:pt x="992837" y="0"/>
+                </a:cubicBezTo>
+                <a:cubicBezTo>
+                  <a:pt x="1091450" y="582"/>
+                  <a:pt x="1330141" y="18435"/>
+                  <a:pt x="1576464" y="0"/>
+                </a:cubicBezTo>
+                <a:cubicBezTo>
+                  <a:pt x="1822787" y="-18435"/>
+                  <a:pt x="1894905" y="21657"/>
+                  <a:pt x="2072883" y="0"/>
+                </a:cubicBezTo>
+                <a:cubicBezTo>
+                  <a:pt x="2250861" y="-21657"/>
+                  <a:pt x="2472383" y="3381"/>
+                  <a:pt x="2743719" y="0"/>
+                </a:cubicBezTo>
+                <a:cubicBezTo>
+                  <a:pt x="3015055" y="-3381"/>
+                  <a:pt x="3344264" y="-29795"/>
+                  <a:pt x="3501763" y="0"/>
+                </a:cubicBezTo>
+                <a:cubicBezTo>
+                  <a:pt x="3659262" y="29795"/>
+                  <a:pt x="3773980" y="-12643"/>
+                  <a:pt x="3910973" y="0"/>
+                </a:cubicBezTo>
+                <a:cubicBezTo>
+                  <a:pt x="4047966" y="12643"/>
+                  <a:pt x="4350395" y="-5248"/>
+                  <a:pt x="4669017" y="0"/>
+                </a:cubicBezTo>
+                <a:cubicBezTo>
+                  <a:pt x="4987639" y="5248"/>
+                  <a:pt x="5132824" y="-16972"/>
+                  <a:pt x="5252645" y="0"/>
+                </a:cubicBezTo>
+                <a:cubicBezTo>
+                  <a:pt x="5372466" y="16972"/>
+                  <a:pt x="5750567" y="-6405"/>
+                  <a:pt x="5923481" y="0"/>
+                </a:cubicBezTo>
+                <a:cubicBezTo>
+                  <a:pt x="6096395" y="6405"/>
+                  <a:pt x="6317029" y="20913"/>
+                  <a:pt x="6419899" y="0"/>
+                </a:cubicBezTo>
+                <a:cubicBezTo>
+                  <a:pt x="6522769" y="-20913"/>
+                  <a:pt x="6838637" y="-14444"/>
+                  <a:pt x="7177944" y="0"/>
+                </a:cubicBezTo>
+                <a:cubicBezTo>
+                  <a:pt x="7517252" y="14444"/>
+                  <a:pt x="7597126" y="-21311"/>
+                  <a:pt x="7761571" y="0"/>
+                </a:cubicBezTo>
+                <a:cubicBezTo>
+                  <a:pt x="7926016" y="21311"/>
+                  <a:pt x="8486354" y="-43132"/>
+                  <a:pt x="8720866" y="0"/>
+                </a:cubicBezTo>
+                <a:cubicBezTo>
+                  <a:pt x="8719209" y="112718"/>
+                  <a:pt x="8733602" y="369296"/>
+                  <a:pt x="8720866" y="482229"/>
+                </a:cubicBezTo>
+                <a:cubicBezTo>
+                  <a:pt x="8708130" y="595162"/>
+                  <a:pt x="8746133" y="962919"/>
+                  <a:pt x="8720866" y="1105599"/>
+                </a:cubicBezTo>
+                <a:cubicBezTo>
+                  <a:pt x="8695600" y="1248279"/>
+                  <a:pt x="8714544" y="1631900"/>
+                  <a:pt x="8720866" y="1764254"/>
+                </a:cubicBezTo>
+                <a:cubicBezTo>
+                  <a:pt x="8727188" y="1896609"/>
+                  <a:pt x="8717719" y="2032365"/>
+                  <a:pt x="8720866" y="2281769"/>
+                </a:cubicBezTo>
+                <a:cubicBezTo>
+                  <a:pt x="8724013" y="2531174"/>
+                  <a:pt x="8712111" y="2618562"/>
+                  <a:pt x="8720866" y="2763998"/>
+                </a:cubicBezTo>
+                <a:cubicBezTo>
+                  <a:pt x="8729621" y="2909434"/>
+                  <a:pt x="8693147" y="3282838"/>
+                  <a:pt x="8720866" y="3528508"/>
+                </a:cubicBezTo>
+                <a:cubicBezTo>
+                  <a:pt x="8493006" y="3522224"/>
+                  <a:pt x="8133399" y="3527662"/>
+                  <a:pt x="7962821" y="3528508"/>
+                </a:cubicBezTo>
+                <a:cubicBezTo>
+                  <a:pt x="7792243" y="3529354"/>
+                  <a:pt x="7694804" y="3536945"/>
+                  <a:pt x="7553612" y="3528508"/>
+                </a:cubicBezTo>
+                <a:cubicBezTo>
+                  <a:pt x="7412420" y="3520071"/>
+                  <a:pt x="7177494" y="3507085"/>
+                  <a:pt x="6969984" y="3528508"/>
+                </a:cubicBezTo>
+                <a:cubicBezTo>
+                  <a:pt x="6762474" y="3549931"/>
+                  <a:pt x="6383745" y="3522052"/>
+                  <a:pt x="6124731" y="3528508"/>
+                </a:cubicBezTo>
+                <a:cubicBezTo>
+                  <a:pt x="5865717" y="3534964"/>
+                  <a:pt x="5646647" y="3558433"/>
+                  <a:pt x="5279478" y="3528508"/>
+                </a:cubicBezTo>
+                <a:cubicBezTo>
+                  <a:pt x="4912309" y="3498583"/>
+                  <a:pt x="4912916" y="3527086"/>
+                  <a:pt x="4608642" y="3528508"/>
+                </a:cubicBezTo>
+                <a:cubicBezTo>
+                  <a:pt x="4304368" y="3529930"/>
+                  <a:pt x="4319005" y="3542334"/>
+                  <a:pt x="4112224" y="3528508"/>
+                </a:cubicBezTo>
+                <a:cubicBezTo>
+                  <a:pt x="3905443" y="3514682"/>
+                  <a:pt x="3723575" y="3552772"/>
+                  <a:pt x="3441388" y="3528508"/>
+                </a:cubicBezTo>
+                <a:cubicBezTo>
+                  <a:pt x="3159201" y="3504244"/>
+                  <a:pt x="2975680" y="3549504"/>
+                  <a:pt x="2596135" y="3528508"/>
+                </a:cubicBezTo>
+                <a:cubicBezTo>
+                  <a:pt x="2216590" y="3507512"/>
+                  <a:pt x="2005365" y="3551469"/>
+                  <a:pt x="1838090" y="3528508"/>
+                </a:cubicBezTo>
+                <a:cubicBezTo>
+                  <a:pt x="1670816" y="3505547"/>
+                  <a:pt x="1488074" y="3514063"/>
+                  <a:pt x="1254463" y="3528508"/>
+                </a:cubicBezTo>
+                <a:cubicBezTo>
+                  <a:pt x="1020852" y="3542953"/>
+                  <a:pt x="842028" y="3496867"/>
+                  <a:pt x="583627" y="3528508"/>
+                </a:cubicBezTo>
+                <a:cubicBezTo>
+                  <a:pt x="325226" y="3560149"/>
+                  <a:pt x="141682" y="3529396"/>
+                  <a:pt x="0" y="3528508"/>
+                </a:cubicBezTo>
+                <a:cubicBezTo>
+                  <a:pt x="7193" y="3239964"/>
+                  <a:pt x="2066" y="3172583"/>
+                  <a:pt x="0" y="2905138"/>
+                </a:cubicBezTo>
+                <a:cubicBezTo>
+                  <a:pt x="-2066" y="2637693"/>
+                  <a:pt x="2385" y="2536910"/>
+                  <a:pt x="0" y="2352339"/>
+                </a:cubicBezTo>
+                <a:cubicBezTo>
+                  <a:pt x="-2385" y="2167768"/>
+                  <a:pt x="3403" y="1900585"/>
+                  <a:pt x="0" y="1693684"/>
+                </a:cubicBezTo>
+                <a:cubicBezTo>
+                  <a:pt x="-3403" y="1486783"/>
+                  <a:pt x="-1178" y="1426886"/>
+                  <a:pt x="0" y="1176169"/>
+                </a:cubicBezTo>
+                <a:cubicBezTo>
+                  <a:pt x="1178" y="925452"/>
+                  <a:pt x="9500" y="851043"/>
+                  <a:pt x="0" y="623370"/>
+                </a:cubicBezTo>
+                <a:cubicBezTo>
+                  <a:pt x="-9500" y="395697"/>
+                  <a:pt x="10820" y="179123"/>
+                  <a:pt x="0" y="0"/>
+                </a:cubicBezTo>
+                <a:close/>
+              </a:path>
+            </a:pathLst>
+          </a:custGeom>
+          <a:solidFill>
+            <a:schemeClr val="bg1">
+              <a:alpha val="88000"/>
+            </a:schemeClr>
+          </a:solidFill>
+          <a:ln>
+            <a:solidFill>
+              <a:schemeClr val="tx1"/>
+            </a:solidFill>
+            <a:extLst>
+              <a:ext uri="{C807C97D-BFC1-408E-A445-0C87EB9F89A2}">
+                <ask:lineSketchStyleProps xmlns:ask="http://schemas.microsoft.com/office/drawing/2018/sketchyshapes" sd="2205362852">
+                  <a:prstGeom prst="rect">
+                    <a:avLst/>
+                  </a:prstGeom>
+                  <ask:type>
+                    <ask:lineSketchFreehand/>
+                  </ask:type>
+                </ask:lineSketchStyleProps>
+              </a:ext>
+            </a:extLst>
+          </a:ln>
+        </p:spPr>
+        <p:style>
+          <a:lnRef idx="2">
+            <a:schemeClr val="accent1">
+              <a:shade val="50000"/>
+            </a:schemeClr>
+          </a:lnRef>
+          <a:fillRef idx="1">
+            <a:schemeClr val="accent1"/>
+          </a:fillRef>
+          <a:effectRef idx="0">
+            <a:schemeClr val="accent1"/>
+          </a:effectRef>
+          <a:fontRef idx="minor">
+            <a:schemeClr val="lt1"/>
+          </a:fontRef>
+        </p:style>
+        <p:txBody>
+          <a:bodyPr rtlCol="0" anchor="ctr"/>
+          <a:lstStyle/>
+          <a:p>
+            <a:pPr algn="ctr"/>
+            <a:endParaRPr lang="en-US"/>
+          </a:p>
+        </p:txBody>
+      </p:sp>
       <p:sp>
         <p:nvSpPr>
           <p:cNvPr id="2" name="Title 1">
@@ -3568,6 +4291,37 @@
           </a:p>
         </p:txBody>
       </p:sp>
+      <p:pic>
+        <p:nvPicPr>
+          <p:cNvPr id="4" name="Picture 3">
+            <a:extLst>
+              <a:ext uri="{FF2B5EF4-FFF2-40B4-BE49-F238E27FC236}">
+                <a16:creationId xmlns:a16="http://schemas.microsoft.com/office/drawing/2014/main" id="{9950F926-FD9D-4442-A82E-05D2A3C67F71}"/>
+              </a:ext>
+            </a:extLst>
+          </p:cNvPr>
+          <p:cNvPicPr>
+            <a:picLocks noChangeAspect="1"/>
+          </p:cNvPicPr>
+          <p:nvPr/>
+        </p:nvPicPr>
+        <p:blipFill rotWithShape="1">
+          <a:blip r:embed="rId2">
+            <a:biLevel thresh="50000"/>
+          </a:blip>
+          <a:srcRect l="-15124" t="82889" r="31399" b="5157"/>
+          <a:stretch/>
+        </p:blipFill>
+        <p:spPr>
+          <a:xfrm>
+            <a:off x="-1340270" y="1144588"/>
+            <a:ext cx="5741892" cy="819785"/>
+          </a:xfrm>
+          <a:prstGeom prst="rect">
+            <a:avLst/>
+          </a:prstGeom>
+        </p:spPr>
+      </p:pic>
     </p:spTree>
     <p:extLst>
       <p:ext uri="{BB962C8B-B14F-4D97-AF65-F5344CB8AC3E}">
@@ -3755,6 +4509,132 @@
           <a:chExt cx="0" cy="0"/>
         </a:xfrm>
       </p:grpSpPr>
+      <p:pic>
+        <p:nvPicPr>
+          <p:cNvPr id="6" name="Content Placeholder 5" descr="Multi-colored sticky notes on a whiteboard">
+            <a:extLst>
+              <a:ext uri="{FF2B5EF4-FFF2-40B4-BE49-F238E27FC236}">
+                <a16:creationId xmlns:a16="http://schemas.microsoft.com/office/drawing/2014/main" id="{30C2CAEB-36EE-4801-835C-905464FDE00D}"/>
+              </a:ext>
+            </a:extLst>
+          </p:cNvPr>
+          <p:cNvPicPr>
+            <a:picLocks noGrp="1" noChangeAspect="1"/>
+          </p:cNvPicPr>
+          <p:nvPr>
+            <p:ph sz="half" idx="2"/>
+          </p:nvPr>
+        </p:nvPicPr>
+        <p:blipFill rotWithShape="1">
+          <a:blip r:embed="rId2">
+            <a:alphaModFix/>
+            <a:extLst>
+              <a:ext uri="{28A0092B-C50C-407E-A947-70E740481C1C}">
+                <a14:useLocalDpi xmlns:a14="http://schemas.microsoft.com/office/drawing/2010/main" val="0"/>
+              </a:ext>
+            </a:extLst>
+          </a:blip>
+          <a:srcRect r="21372" b="14216"/>
+          <a:stretch/>
+        </p:blipFill>
+        <p:spPr>
+          <a:xfrm>
+            <a:off x="2774080" y="9656"/>
+            <a:ext cx="9417920" cy="6848344"/>
+          </a:xfrm>
+          <a:gradFill>
+            <a:gsLst>
+              <a:gs pos="0">
+                <a:schemeClr val="bg1"/>
+              </a:gs>
+              <a:gs pos="74000">
+                <a:schemeClr val="accent1">
+                  <a:lumMod val="45000"/>
+                  <a:lumOff val="55000"/>
+                </a:schemeClr>
+              </a:gs>
+              <a:gs pos="83000">
+                <a:schemeClr val="accent1">
+                  <a:lumMod val="45000"/>
+                  <a:lumOff val="55000"/>
+                </a:schemeClr>
+              </a:gs>
+              <a:gs pos="100000">
+                <a:schemeClr val="accent1">
+                  <a:lumMod val="30000"/>
+                  <a:lumOff val="70000"/>
+                </a:schemeClr>
+              </a:gs>
+            </a:gsLst>
+            <a:lin ang="2700000" scaled="1"/>
+          </a:gradFill>
+        </p:spPr>
+      </p:pic>
+      <p:sp>
+        <p:nvSpPr>
+          <p:cNvPr id="7" name="Rectangle 6">
+            <a:extLst>
+              <a:ext uri="{FF2B5EF4-FFF2-40B4-BE49-F238E27FC236}">
+                <a16:creationId xmlns:a16="http://schemas.microsoft.com/office/drawing/2014/main" id="{C5E86DC8-82CD-4710-BA4C-B302EAD2AAE2}"/>
+              </a:ext>
+            </a:extLst>
+          </p:cNvPr>
+          <p:cNvSpPr/>
+          <p:nvPr/>
+        </p:nvSpPr>
+        <p:spPr>
+          <a:xfrm>
+            <a:off x="2774080" y="0"/>
+            <a:ext cx="3255085" cy="6858000"/>
+          </a:xfrm>
+          <a:prstGeom prst="rect">
+            <a:avLst/>
+          </a:prstGeom>
+          <a:gradFill flip="none" rotWithShape="1">
+            <a:gsLst>
+              <a:gs pos="0">
+                <a:schemeClr val="bg1"/>
+              </a:gs>
+              <a:gs pos="100000">
+                <a:schemeClr val="accent1">
+                  <a:lumMod val="30000"/>
+                  <a:lumOff val="70000"/>
+                  <a:alpha val="0"/>
+                </a:schemeClr>
+              </a:gs>
+            </a:gsLst>
+            <a:lin ang="0" scaled="1"/>
+            <a:tileRect/>
+          </a:gradFill>
+          <a:ln>
+            <a:noFill/>
+          </a:ln>
+        </p:spPr>
+        <p:style>
+          <a:lnRef idx="2">
+            <a:schemeClr val="accent1">
+              <a:shade val="50000"/>
+            </a:schemeClr>
+          </a:lnRef>
+          <a:fillRef idx="1">
+            <a:schemeClr val="accent1"/>
+          </a:fillRef>
+          <a:effectRef idx="0">
+            <a:schemeClr val="accent1"/>
+          </a:effectRef>
+          <a:fontRef idx="minor">
+            <a:schemeClr val="lt1"/>
+          </a:fontRef>
+        </p:style>
+        <p:txBody>
+          <a:bodyPr rtlCol="0" anchor="ctr"/>
+          <a:lstStyle/>
+          <a:p>
+            <a:pPr algn="ctr"/>
+            <a:endParaRPr lang="en-US"/>
+          </a:p>
+        </p:txBody>
+      </p:sp>
       <p:sp>
         <p:nvSpPr>
           <p:cNvPr id="2" name="Title 1">
@@ -3777,14 +4657,11 @@
           <a:lstStyle/>
           <a:p>
             <a:r>
-              <a:rPr lang="en-US" b="1">
+              <a:rPr lang="en-US" b="1" dirty="0">
                 <a:latin typeface="Century Gothic" panose="020B0502020202020204" pitchFamily="34" charset="0"/>
               </a:rPr>
               <a:t>Agenda</a:t>
             </a:r>
-            <a:endParaRPr lang="en-US" b="1" dirty="0">
-              <a:latin typeface="Century Gothic" panose="020B0502020202020204" pitchFamily="34" charset="0"/>
-            </a:endParaRPr>
           </a:p>
         </p:txBody>
       </p:sp>
@@ -3807,12 +4684,12 @@
         <p:spPr/>
         <p:txBody>
           <a:bodyPr>
-            <a:normAutofit lnSpcReduction="10000"/>
+            <a:normAutofit/>
           </a:bodyPr>
           <a:lstStyle/>
           <a:p>
             <a:r>
-              <a:rPr lang="en-US" dirty="0">
+              <a:rPr lang="en-US" sz="2400" dirty="0">
                 <a:latin typeface="Century Gothic" panose="020B0502020202020204" pitchFamily="34" charset="0"/>
               </a:rPr>
               <a:t>OCR</a:t>
@@ -3820,7 +4697,7 @@
           </a:p>
           <a:p>
             <a:r>
-              <a:rPr lang="en-US" dirty="0">
+              <a:rPr lang="en-US" sz="2400" dirty="0">
                 <a:latin typeface="Century Gothic" panose="020B0502020202020204" pitchFamily="34" charset="0"/>
               </a:rPr>
               <a:t>Datasets</a:t>
@@ -3828,7 +4705,7 @@
           </a:p>
           <a:p>
             <a:r>
-              <a:rPr lang="en-US" dirty="0">
+              <a:rPr lang="en-US" sz="2400" dirty="0">
                 <a:latin typeface="Century Gothic" panose="020B0502020202020204" pitchFamily="34" charset="0"/>
               </a:rPr>
               <a:t>Machine learning models performance</a:t>
@@ -3836,7 +4713,7 @@
           </a:p>
           <a:p>
             <a:r>
-              <a:rPr lang="en-US" dirty="0">
+              <a:rPr lang="en-US" sz="2400" dirty="0">
                 <a:latin typeface="Century Gothic" panose="020B0502020202020204" pitchFamily="34" charset="0"/>
               </a:rPr>
               <a:t>Character segmentation and prediction on Names Dataset</a:t>
@@ -3844,7 +4721,7 @@
           </a:p>
           <a:p>
             <a:r>
-              <a:rPr lang="en-US" dirty="0">
+              <a:rPr lang="en-US" sz="2400" dirty="0">
                 <a:latin typeface="Century Gothic" panose="020B0502020202020204" pitchFamily="34" charset="0"/>
               </a:rPr>
               <a:t>Next Steps</a:t>
@@ -3852,7 +4729,7 @@
           </a:p>
           <a:p>
             <a:r>
-              <a:rPr lang="en-US" dirty="0">
+              <a:rPr lang="en-US" sz="2400" dirty="0">
                 <a:latin typeface="Century Gothic" panose="020B0502020202020204" pitchFamily="34" charset="0"/>
               </a:rPr>
               <a:t>Web app</a:t>
@@ -3873,33 +4750,37 @@
           </a:p>
         </p:txBody>
       </p:sp>
-      <p:sp>
-        <p:nvSpPr>
-          <p:cNvPr id="4" name="Content Placeholder 3">
-            <a:extLst>
-              <a:ext uri="{FF2B5EF4-FFF2-40B4-BE49-F238E27FC236}">
-                <a16:creationId xmlns:a16="http://schemas.microsoft.com/office/drawing/2014/main" id="{3D9B89D8-5174-423A-99D4-0F9A046D3513}"/>
-              </a:ext>
-            </a:extLst>
-          </p:cNvPr>
-          <p:cNvSpPr>
-            <a:spLocks noGrp="1"/>
-          </p:cNvSpPr>
-          <p:nvPr>
-            <p:ph sz="half" idx="2"/>
-          </p:nvPr>
-        </p:nvSpPr>
-        <p:spPr/>
-        <p:txBody>
-          <a:bodyPr>
-            <a:normAutofit lnSpcReduction="10000"/>
-          </a:bodyPr>
-          <a:lstStyle/>
-          <a:p>
-            <a:endParaRPr lang="en-US"/>
-          </a:p>
-        </p:txBody>
-      </p:sp>
+      <p:pic>
+        <p:nvPicPr>
+          <p:cNvPr id="16" name="Picture 15">
+            <a:extLst>
+              <a:ext uri="{FF2B5EF4-FFF2-40B4-BE49-F238E27FC236}">
+                <a16:creationId xmlns:a16="http://schemas.microsoft.com/office/drawing/2014/main" id="{84DEF2A7-F7DF-4221-A9FD-FB7FEBD71DD4}"/>
+              </a:ext>
+            </a:extLst>
+          </p:cNvPr>
+          <p:cNvPicPr>
+            <a:picLocks noChangeAspect="1"/>
+          </p:cNvPicPr>
+          <p:nvPr/>
+        </p:nvPicPr>
+        <p:blipFill rotWithShape="1">
+          <a:blip r:embed="rId3">
+            <a:biLevel thresh="50000"/>
+          </a:blip>
+          <a:srcRect l="16439" t="82889" r="31399" b="5157"/>
+          <a:stretch/>
+        </p:blipFill>
+        <p:spPr>
+          <a:xfrm>
+            <a:off x="-1" y="1144588"/>
+            <a:ext cx="3577319" cy="819785"/>
+          </a:xfrm>
+          <a:prstGeom prst="rect">
+            <a:avLst/>
+          </a:prstGeom>
+        </p:spPr>
+      </p:pic>
     </p:spTree>
     <p:extLst>
       <p:ext uri="{BB962C8B-B14F-4D97-AF65-F5344CB8AC3E}">
@@ -3930,6 +4811,43 @@
           <a:chExt cx="0" cy="0"/>
         </a:xfrm>
       </p:grpSpPr>
+      <p:pic>
+        <p:nvPicPr>
+          <p:cNvPr id="18" name="Picture 17">
+            <a:extLst>
+              <a:ext uri="{FF2B5EF4-FFF2-40B4-BE49-F238E27FC236}">
+                <a16:creationId xmlns:a16="http://schemas.microsoft.com/office/drawing/2014/main" id="{DE1DA8D9-B229-4DBF-B584-03370369F604}"/>
+              </a:ext>
+            </a:extLst>
+          </p:cNvPr>
+          <p:cNvPicPr>
+            <a:picLocks noChangeAspect="1"/>
+          </p:cNvPicPr>
+          <p:nvPr/>
+        </p:nvPicPr>
+        <p:blipFill rotWithShape="1">
+          <a:blip r:embed="rId2">
+            <a:duotone>
+              <a:schemeClr val="bg2">
+                <a:shade val="45000"/>
+                <a:satMod val="135000"/>
+              </a:schemeClr>
+              <a:prstClr val="white"/>
+            </a:duotone>
+          </a:blip>
+          <a:srcRect l="16439" t="82889" r="31399" b="5157"/>
+          <a:stretch/>
+        </p:blipFill>
+        <p:spPr>
+          <a:xfrm>
+            <a:off x="0" y="884356"/>
+            <a:ext cx="6373504" cy="1460564"/>
+          </a:xfrm>
+          <a:prstGeom prst="rect">
+            <a:avLst/>
+          </a:prstGeom>
+        </p:spPr>
+      </p:pic>
       <p:sp>
         <p:nvSpPr>
           <p:cNvPr id="2" name="Title 1">
@@ -4014,6 +4932,37 @@
           </a:p>
         </p:txBody>
       </p:sp>
+      <p:pic>
+        <p:nvPicPr>
+          <p:cNvPr id="16" name="Picture 15">
+            <a:extLst>
+              <a:ext uri="{FF2B5EF4-FFF2-40B4-BE49-F238E27FC236}">
+                <a16:creationId xmlns:a16="http://schemas.microsoft.com/office/drawing/2014/main" id="{D3EBC8D8-5924-4423-9462-B0B1719C52B9}"/>
+              </a:ext>
+            </a:extLst>
+          </p:cNvPr>
+          <p:cNvPicPr>
+            <a:picLocks noChangeAspect="1"/>
+          </p:cNvPicPr>
+          <p:nvPr/>
+        </p:nvPicPr>
+        <p:blipFill rotWithShape="1">
+          <a:blip r:embed="rId2">
+            <a:biLevel thresh="50000"/>
+          </a:blip>
+          <a:srcRect l="16439" t="82889" r="31399" b="5157"/>
+          <a:stretch/>
+        </p:blipFill>
+        <p:spPr>
+          <a:xfrm>
+            <a:off x="-1" y="1144588"/>
+            <a:ext cx="3577319" cy="819785"/>
+          </a:xfrm>
+          <a:prstGeom prst="rect">
+            <a:avLst/>
+          </a:prstGeom>
+        </p:spPr>
+      </p:pic>
     </p:spTree>
     <p:extLst>
       <p:ext uri="{BB962C8B-B14F-4D97-AF65-F5344CB8AC3E}">
@@ -4341,6 +5290,37 @@
           </a:p>
         </p:txBody>
       </p:sp>
+      <p:pic>
+        <p:nvPicPr>
+          <p:cNvPr id="8" name="Picture 7">
+            <a:extLst>
+              <a:ext uri="{FF2B5EF4-FFF2-40B4-BE49-F238E27FC236}">
+                <a16:creationId xmlns:a16="http://schemas.microsoft.com/office/drawing/2014/main" id="{ABF00C57-9029-4195-84DC-C51782205E0D}"/>
+              </a:ext>
+            </a:extLst>
+          </p:cNvPr>
+          <p:cNvPicPr>
+            <a:picLocks noChangeAspect="1"/>
+          </p:cNvPicPr>
+          <p:nvPr/>
+        </p:nvPicPr>
+        <p:blipFill rotWithShape="1">
+          <a:blip r:embed="rId2">
+            <a:biLevel thresh="50000"/>
+          </a:blip>
+          <a:srcRect l="16439" t="82889" r="31399" b="5157"/>
+          <a:stretch/>
+        </p:blipFill>
+        <p:spPr>
+          <a:xfrm>
+            <a:off x="-1" y="1144588"/>
+            <a:ext cx="3577319" cy="819785"/>
+          </a:xfrm>
+          <a:prstGeom prst="rect">
+            <a:avLst/>
+          </a:prstGeom>
+        </p:spPr>
+      </p:pic>
     </p:spTree>
     <p:extLst>
       <p:ext uri="{BB962C8B-B14F-4D97-AF65-F5344CB8AC3E}">
@@ -4704,6 +5684,37 @@
           </a:graphicData>
         </a:graphic>
       </p:graphicFrame>
+      <p:pic>
+        <p:nvPicPr>
+          <p:cNvPr id="5" name="Picture 4">
+            <a:extLst>
+              <a:ext uri="{FF2B5EF4-FFF2-40B4-BE49-F238E27FC236}">
+                <a16:creationId xmlns:a16="http://schemas.microsoft.com/office/drawing/2014/main" id="{4DA18907-944C-45CD-9D3A-37376B3B637A}"/>
+              </a:ext>
+            </a:extLst>
+          </p:cNvPr>
+          <p:cNvPicPr>
+            <a:picLocks noChangeAspect="1"/>
+          </p:cNvPicPr>
+          <p:nvPr/>
+        </p:nvPicPr>
+        <p:blipFill rotWithShape="1">
+          <a:blip r:embed="rId2">
+            <a:biLevel thresh="50000"/>
+          </a:blip>
+          <a:srcRect l="-15124" t="82889" r="31399" b="5157"/>
+          <a:stretch/>
+        </p:blipFill>
+        <p:spPr>
+          <a:xfrm>
+            <a:off x="-1340270" y="1144588"/>
+            <a:ext cx="5741892" cy="819785"/>
+          </a:xfrm>
+          <a:prstGeom prst="rect">
+            <a:avLst/>
+          </a:prstGeom>
+        </p:spPr>
+      </p:pic>
     </p:spTree>
     <p:extLst>
       <p:ext uri="{BB962C8B-B14F-4D97-AF65-F5344CB8AC3E}">
@@ -7395,6 +8406,37 @@
           </a:p>
         </p:txBody>
       </p:sp>
+      <p:pic>
+        <p:nvPicPr>
+          <p:cNvPr id="25" name="Picture 24">
+            <a:extLst>
+              <a:ext uri="{FF2B5EF4-FFF2-40B4-BE49-F238E27FC236}">
+                <a16:creationId xmlns:a16="http://schemas.microsoft.com/office/drawing/2014/main" id="{01D5D57D-2320-4B60-B9BC-DCAEDF75F63F}"/>
+              </a:ext>
+            </a:extLst>
+          </p:cNvPr>
+          <p:cNvPicPr>
+            <a:picLocks noChangeAspect="1"/>
+          </p:cNvPicPr>
+          <p:nvPr/>
+        </p:nvPicPr>
+        <p:blipFill rotWithShape="1">
+          <a:blip r:embed="rId3">
+            <a:biLevel thresh="50000"/>
+          </a:blip>
+          <a:srcRect l="-15124" t="82889" r="31399" b="5157"/>
+          <a:stretch/>
+        </p:blipFill>
+        <p:spPr>
+          <a:xfrm>
+            <a:off x="-1340270" y="1144588"/>
+            <a:ext cx="5741892" cy="819785"/>
+          </a:xfrm>
+          <a:prstGeom prst="rect">
+            <a:avLst/>
+          </a:prstGeom>
+        </p:spPr>
+      </p:pic>
     </p:spTree>
     <p:extLst>
       <p:ext uri="{BB962C8B-B14F-4D97-AF65-F5344CB8AC3E}">
@@ -8900,6 +9942,37 @@
           </a:prstGeom>
         </p:spPr>
       </p:pic>
+      <p:pic>
+        <p:nvPicPr>
+          <p:cNvPr id="13" name="Picture 12">
+            <a:extLst>
+              <a:ext uri="{FF2B5EF4-FFF2-40B4-BE49-F238E27FC236}">
+                <a16:creationId xmlns:a16="http://schemas.microsoft.com/office/drawing/2014/main" id="{8F28F9D6-E1C7-4154-A0C4-4C5F9BF74201}"/>
+              </a:ext>
+            </a:extLst>
+          </p:cNvPr>
+          <p:cNvPicPr>
+            <a:picLocks noChangeAspect="1"/>
+          </p:cNvPicPr>
+          <p:nvPr/>
+        </p:nvPicPr>
+        <p:blipFill rotWithShape="1">
+          <a:blip r:embed="rId15">
+            <a:biLevel thresh="50000"/>
+          </a:blip>
+          <a:srcRect l="-15124" t="82889" r="31399" b="5157"/>
+          <a:stretch/>
+        </p:blipFill>
+        <p:spPr>
+          <a:xfrm>
+            <a:off x="-1340270" y="1144588"/>
+            <a:ext cx="5741892" cy="819785"/>
+          </a:xfrm>
+          <a:prstGeom prst="rect">
+            <a:avLst/>
+          </a:prstGeom>
+        </p:spPr>
+      </p:pic>
     </p:spTree>
     <p:extLst>
       <p:ext uri="{BB962C8B-B14F-4D97-AF65-F5344CB8AC3E}">

--- a/presentation/MVP presentation.pptx
+++ b/presentation/MVP presentation.pptx
@@ -3408,729 +3408,6 @@
           <a:chExt cx="0" cy="0"/>
         </a:xfrm>
       </p:grpSpPr>
-      <p:pic>
-        <p:nvPicPr>
-          <p:cNvPr id="7" name="Picture 6" descr="Sticky notes on a wall">
-            <a:extLst>
-              <a:ext uri="{FF2B5EF4-FFF2-40B4-BE49-F238E27FC236}">
-                <a16:creationId xmlns:a16="http://schemas.microsoft.com/office/drawing/2014/main" id="{8CD6F6CD-B386-4041-9512-88B75631AD2C}"/>
-              </a:ext>
-            </a:extLst>
-          </p:cNvPr>
-          <p:cNvPicPr>
-            <a:picLocks noChangeAspect="1"/>
-          </p:cNvPicPr>
-          <p:nvPr/>
-        </p:nvPicPr>
-        <p:blipFill rotWithShape="1">
-          <a:blip r:embed="rId2">
-            <a:extLst>
-              <a:ext uri="{28A0092B-C50C-407E-A947-70E740481C1C}">
-                <a14:useLocalDpi xmlns:a14="http://schemas.microsoft.com/office/drawing/2010/main" val="0"/>
-              </a:ext>
-            </a:extLst>
-          </a:blip>
-          <a:srcRect b="19332"/>
-          <a:stretch/>
-        </p:blipFill>
-        <p:spPr>
-          <a:xfrm>
-            <a:off x="0" y="0"/>
-            <a:ext cx="12192000" cy="6858000"/>
-          </a:xfrm>
-          <a:prstGeom prst="rect">
-            <a:avLst/>
-          </a:prstGeom>
-        </p:spPr>
-      </p:pic>
-      <p:sp>
-        <p:nvSpPr>
-          <p:cNvPr id="9" name="Rectangle 8">
-            <a:extLst>
-              <a:ext uri="{FF2B5EF4-FFF2-40B4-BE49-F238E27FC236}">
-                <a16:creationId xmlns:a16="http://schemas.microsoft.com/office/drawing/2014/main" id="{2AB85331-31FB-4BE8-8936-24A0ECF6B3DA}"/>
-              </a:ext>
-            </a:extLst>
-          </p:cNvPr>
-          <p:cNvSpPr/>
-          <p:nvPr/>
-        </p:nvSpPr>
-        <p:spPr>
-          <a:xfrm>
-            <a:off x="1735567" y="1288229"/>
-            <a:ext cx="8720866" cy="3528508"/>
-          </a:xfrm>
-          <a:custGeom>
-            <a:avLst/>
-            <a:gdLst>
-              <a:gd name="connsiteX0" fmla="*/ 0 w 8720866"/>
-              <a:gd name="connsiteY0" fmla="*/ 0 h 3528508"/>
-              <a:gd name="connsiteX1" fmla="*/ 409210 w 8720866"/>
-              <a:gd name="connsiteY1" fmla="*/ 0 h 3528508"/>
-              <a:gd name="connsiteX2" fmla="*/ 1080046 w 8720866"/>
-              <a:gd name="connsiteY2" fmla="*/ 0 h 3528508"/>
-              <a:gd name="connsiteX3" fmla="*/ 1838090 w 8720866"/>
-              <a:gd name="connsiteY3" fmla="*/ 0 h 3528508"/>
-              <a:gd name="connsiteX4" fmla="*/ 2247300 w 8720866"/>
-              <a:gd name="connsiteY4" fmla="*/ 0 h 3528508"/>
-              <a:gd name="connsiteX5" fmla="*/ 2656510 w 8720866"/>
-              <a:gd name="connsiteY5" fmla="*/ 0 h 3528508"/>
-              <a:gd name="connsiteX6" fmla="*/ 3152928 w 8720866"/>
-              <a:gd name="connsiteY6" fmla="*/ 0 h 3528508"/>
-              <a:gd name="connsiteX7" fmla="*/ 3736556 w 8720866"/>
-              <a:gd name="connsiteY7" fmla="*/ 0 h 3528508"/>
-              <a:gd name="connsiteX8" fmla="*/ 4320183 w 8720866"/>
-              <a:gd name="connsiteY8" fmla="*/ 0 h 3528508"/>
-              <a:gd name="connsiteX9" fmla="*/ 4903810 w 8720866"/>
-              <a:gd name="connsiteY9" fmla="*/ 0 h 3528508"/>
-              <a:gd name="connsiteX10" fmla="*/ 5400229 w 8720866"/>
-              <a:gd name="connsiteY10" fmla="*/ 0 h 3528508"/>
-              <a:gd name="connsiteX11" fmla="*/ 6245482 w 8720866"/>
-              <a:gd name="connsiteY11" fmla="*/ 0 h 3528508"/>
-              <a:gd name="connsiteX12" fmla="*/ 7003526 w 8720866"/>
-              <a:gd name="connsiteY12" fmla="*/ 0 h 3528508"/>
-              <a:gd name="connsiteX13" fmla="*/ 7848779 w 8720866"/>
-              <a:gd name="connsiteY13" fmla="*/ 0 h 3528508"/>
-              <a:gd name="connsiteX14" fmla="*/ 8720866 w 8720866"/>
-              <a:gd name="connsiteY14" fmla="*/ 0 h 3528508"/>
-              <a:gd name="connsiteX15" fmla="*/ 8720866 w 8720866"/>
-              <a:gd name="connsiteY15" fmla="*/ 517515 h 3528508"/>
-              <a:gd name="connsiteX16" fmla="*/ 8720866 w 8720866"/>
-              <a:gd name="connsiteY16" fmla="*/ 1105599 h 3528508"/>
-              <a:gd name="connsiteX17" fmla="*/ 8720866 w 8720866"/>
-              <a:gd name="connsiteY17" fmla="*/ 1693684 h 3528508"/>
-              <a:gd name="connsiteX18" fmla="*/ 8720866 w 8720866"/>
-              <a:gd name="connsiteY18" fmla="*/ 2246483 h 3528508"/>
-              <a:gd name="connsiteX19" fmla="*/ 8720866 w 8720866"/>
-              <a:gd name="connsiteY19" fmla="*/ 2869853 h 3528508"/>
-              <a:gd name="connsiteX20" fmla="*/ 8720866 w 8720866"/>
-              <a:gd name="connsiteY20" fmla="*/ 3528508 h 3528508"/>
-              <a:gd name="connsiteX21" fmla="*/ 8224447 w 8720866"/>
-              <a:gd name="connsiteY21" fmla="*/ 3528508 h 3528508"/>
-              <a:gd name="connsiteX22" fmla="*/ 7815238 w 8720866"/>
-              <a:gd name="connsiteY22" fmla="*/ 3528508 h 3528508"/>
-              <a:gd name="connsiteX23" fmla="*/ 7231610 w 8720866"/>
-              <a:gd name="connsiteY23" fmla="*/ 3528508 h 3528508"/>
-              <a:gd name="connsiteX24" fmla="*/ 6386357 w 8720866"/>
-              <a:gd name="connsiteY24" fmla="*/ 3528508 h 3528508"/>
-              <a:gd name="connsiteX25" fmla="*/ 5977147 w 8720866"/>
-              <a:gd name="connsiteY25" fmla="*/ 3528508 h 3528508"/>
-              <a:gd name="connsiteX26" fmla="*/ 5219103 w 8720866"/>
-              <a:gd name="connsiteY26" fmla="*/ 3528508 h 3528508"/>
-              <a:gd name="connsiteX27" fmla="*/ 4635476 w 8720866"/>
-              <a:gd name="connsiteY27" fmla="*/ 3528508 h 3528508"/>
-              <a:gd name="connsiteX28" fmla="*/ 3790223 w 8720866"/>
-              <a:gd name="connsiteY28" fmla="*/ 3528508 h 3528508"/>
-              <a:gd name="connsiteX29" fmla="*/ 2944969 w 8720866"/>
-              <a:gd name="connsiteY29" fmla="*/ 3528508 h 3528508"/>
-              <a:gd name="connsiteX30" fmla="*/ 2274134 w 8720866"/>
-              <a:gd name="connsiteY30" fmla="*/ 3528508 h 3528508"/>
-              <a:gd name="connsiteX31" fmla="*/ 1690506 w 8720866"/>
-              <a:gd name="connsiteY31" fmla="*/ 3528508 h 3528508"/>
-              <a:gd name="connsiteX32" fmla="*/ 1281296 w 8720866"/>
-              <a:gd name="connsiteY32" fmla="*/ 3528508 h 3528508"/>
-              <a:gd name="connsiteX33" fmla="*/ 610461 w 8720866"/>
-              <a:gd name="connsiteY33" fmla="*/ 3528508 h 3528508"/>
-              <a:gd name="connsiteX34" fmla="*/ 0 w 8720866"/>
-              <a:gd name="connsiteY34" fmla="*/ 3528508 h 3528508"/>
-              <a:gd name="connsiteX35" fmla="*/ 0 w 8720866"/>
-              <a:gd name="connsiteY35" fmla="*/ 2975708 h 3528508"/>
-              <a:gd name="connsiteX36" fmla="*/ 0 w 8720866"/>
-              <a:gd name="connsiteY36" fmla="*/ 2387624 h 3528508"/>
-              <a:gd name="connsiteX37" fmla="*/ 0 w 8720866"/>
-              <a:gd name="connsiteY37" fmla="*/ 1905394 h 3528508"/>
-              <a:gd name="connsiteX38" fmla="*/ 0 w 8720866"/>
-              <a:gd name="connsiteY38" fmla="*/ 1423165 h 3528508"/>
-              <a:gd name="connsiteX39" fmla="*/ 0 w 8720866"/>
-              <a:gd name="connsiteY39" fmla="*/ 940935 h 3528508"/>
-              <a:gd name="connsiteX40" fmla="*/ 0 w 8720866"/>
-              <a:gd name="connsiteY40" fmla="*/ 0 h 3528508"/>
-            </a:gdLst>
-            <a:ahLst/>
-            <a:cxnLst>
-              <a:cxn ang="0">
-                <a:pos x="connsiteX0" y="connsiteY0"/>
-              </a:cxn>
-              <a:cxn ang="0">
-                <a:pos x="connsiteX1" y="connsiteY1"/>
-              </a:cxn>
-              <a:cxn ang="0">
-                <a:pos x="connsiteX2" y="connsiteY2"/>
-              </a:cxn>
-              <a:cxn ang="0">
-                <a:pos x="connsiteX3" y="connsiteY3"/>
-              </a:cxn>
-              <a:cxn ang="0">
-                <a:pos x="connsiteX4" y="connsiteY4"/>
-              </a:cxn>
-              <a:cxn ang="0">
-                <a:pos x="connsiteX5" y="connsiteY5"/>
-              </a:cxn>
-              <a:cxn ang="0">
-                <a:pos x="connsiteX6" y="connsiteY6"/>
-              </a:cxn>
-              <a:cxn ang="0">
-                <a:pos x="connsiteX7" y="connsiteY7"/>
-              </a:cxn>
-              <a:cxn ang="0">
-                <a:pos x="connsiteX8" y="connsiteY8"/>
-              </a:cxn>
-              <a:cxn ang="0">
-                <a:pos x="connsiteX9" y="connsiteY9"/>
-              </a:cxn>
-              <a:cxn ang="0">
-                <a:pos x="connsiteX10" y="connsiteY10"/>
-              </a:cxn>
-              <a:cxn ang="0">
-                <a:pos x="connsiteX11" y="connsiteY11"/>
-              </a:cxn>
-              <a:cxn ang="0">
-                <a:pos x="connsiteX12" y="connsiteY12"/>
-              </a:cxn>
-              <a:cxn ang="0">
-                <a:pos x="connsiteX13" y="connsiteY13"/>
-              </a:cxn>
-              <a:cxn ang="0">
-                <a:pos x="connsiteX14" y="connsiteY14"/>
-              </a:cxn>
-              <a:cxn ang="0">
-                <a:pos x="connsiteX15" y="connsiteY15"/>
-              </a:cxn>
-              <a:cxn ang="0">
-                <a:pos x="connsiteX16" y="connsiteY16"/>
-              </a:cxn>
-              <a:cxn ang="0">
-                <a:pos x="connsiteX17" y="connsiteY17"/>
-              </a:cxn>
-              <a:cxn ang="0">
-                <a:pos x="connsiteX18" y="connsiteY18"/>
-              </a:cxn>
-              <a:cxn ang="0">
-                <a:pos x="connsiteX19" y="connsiteY19"/>
-              </a:cxn>
-              <a:cxn ang="0">
-                <a:pos x="connsiteX20" y="connsiteY20"/>
-              </a:cxn>
-              <a:cxn ang="0">
-                <a:pos x="connsiteX21" y="connsiteY21"/>
-              </a:cxn>
-              <a:cxn ang="0">
-                <a:pos x="connsiteX22" y="connsiteY22"/>
-              </a:cxn>
-              <a:cxn ang="0">
-                <a:pos x="connsiteX23" y="connsiteY23"/>
-              </a:cxn>
-              <a:cxn ang="0">
-                <a:pos x="connsiteX24" y="connsiteY24"/>
-              </a:cxn>
-              <a:cxn ang="0">
-                <a:pos x="connsiteX25" y="connsiteY25"/>
-              </a:cxn>
-              <a:cxn ang="0">
-                <a:pos x="connsiteX26" y="connsiteY26"/>
-              </a:cxn>
-              <a:cxn ang="0">
-                <a:pos x="connsiteX27" y="connsiteY27"/>
-              </a:cxn>
-              <a:cxn ang="0">
-                <a:pos x="connsiteX28" y="connsiteY28"/>
-              </a:cxn>
-              <a:cxn ang="0">
-                <a:pos x="connsiteX29" y="connsiteY29"/>
-              </a:cxn>
-              <a:cxn ang="0">
-                <a:pos x="connsiteX30" y="connsiteY30"/>
-              </a:cxn>
-              <a:cxn ang="0">
-                <a:pos x="connsiteX31" y="connsiteY31"/>
-              </a:cxn>
-              <a:cxn ang="0">
-                <a:pos x="connsiteX32" y="connsiteY32"/>
-              </a:cxn>
-              <a:cxn ang="0">
-                <a:pos x="connsiteX33" y="connsiteY33"/>
-              </a:cxn>
-              <a:cxn ang="0">
-                <a:pos x="connsiteX34" y="connsiteY34"/>
-              </a:cxn>
-              <a:cxn ang="0">
-                <a:pos x="connsiteX35" y="connsiteY35"/>
-              </a:cxn>
-              <a:cxn ang="0">
-                <a:pos x="connsiteX36" y="connsiteY36"/>
-              </a:cxn>
-              <a:cxn ang="0">
-                <a:pos x="connsiteX37" y="connsiteY37"/>
-              </a:cxn>
-              <a:cxn ang="0">
-                <a:pos x="connsiteX38" y="connsiteY38"/>
-              </a:cxn>
-              <a:cxn ang="0">
-                <a:pos x="connsiteX39" y="connsiteY39"/>
-              </a:cxn>
-              <a:cxn ang="0">
-                <a:pos x="connsiteX40" y="connsiteY40"/>
-              </a:cxn>
-            </a:cxnLst>
-            <a:rect l="l" t="t" r="r" b="b"/>
-            <a:pathLst>
-              <a:path w="8720866" h="3528508" fill="none" extrusionOk="0">
-                <a:moveTo>
-                  <a:pt x="0" y="0"/>
-                </a:moveTo>
-                <a:cubicBezTo>
-                  <a:pt x="170423" y="-9125"/>
-                  <a:pt x="237786" y="-15479"/>
-                  <a:pt x="409210" y="0"/>
-                </a:cubicBezTo>
-                <a:cubicBezTo>
-                  <a:pt x="580634" y="15479"/>
-                  <a:pt x="836616" y="31034"/>
-                  <a:pt x="1080046" y="0"/>
-                </a:cubicBezTo>
-                <a:cubicBezTo>
-                  <a:pt x="1323476" y="-31034"/>
-                  <a:pt x="1481004" y="-8265"/>
-                  <a:pt x="1838090" y="0"/>
-                </a:cubicBezTo>
-                <a:cubicBezTo>
-                  <a:pt x="2195176" y="8265"/>
-                  <a:pt x="2135134" y="6252"/>
-                  <a:pt x="2247300" y="0"/>
-                </a:cubicBezTo>
-                <a:cubicBezTo>
-                  <a:pt x="2359466" y="-6252"/>
-                  <a:pt x="2487795" y="12350"/>
-                  <a:pt x="2656510" y="0"/>
-                </a:cubicBezTo>
-                <a:cubicBezTo>
-                  <a:pt x="2825225" y="-12350"/>
-                  <a:pt x="2954235" y="-18127"/>
-                  <a:pt x="3152928" y="0"/>
-                </a:cubicBezTo>
-                <a:cubicBezTo>
-                  <a:pt x="3351621" y="18127"/>
-                  <a:pt x="3486107" y="-21392"/>
-                  <a:pt x="3736556" y="0"/>
-                </a:cubicBezTo>
-                <a:cubicBezTo>
-                  <a:pt x="3987005" y="21392"/>
-                  <a:pt x="4095513" y="-5856"/>
-                  <a:pt x="4320183" y="0"/>
-                </a:cubicBezTo>
-                <a:cubicBezTo>
-                  <a:pt x="4544853" y="5856"/>
-                  <a:pt x="4704396" y="-5223"/>
-                  <a:pt x="4903810" y="0"/>
-                </a:cubicBezTo>
-                <a:cubicBezTo>
-                  <a:pt x="5103224" y="5223"/>
-                  <a:pt x="5282304" y="11423"/>
-                  <a:pt x="5400229" y="0"/>
-                </a:cubicBezTo>
-                <a:cubicBezTo>
-                  <a:pt x="5518154" y="-11423"/>
-                  <a:pt x="5989184" y="-19454"/>
-                  <a:pt x="6245482" y="0"/>
-                </a:cubicBezTo>
-                <a:cubicBezTo>
-                  <a:pt x="6501780" y="19454"/>
-                  <a:pt x="6658201" y="-25787"/>
-                  <a:pt x="7003526" y="0"/>
-                </a:cubicBezTo>
-                <a:cubicBezTo>
-                  <a:pt x="7348851" y="25787"/>
-                  <a:pt x="7594260" y="6175"/>
-                  <a:pt x="7848779" y="0"/>
-                </a:cubicBezTo>
-                <a:cubicBezTo>
-                  <a:pt x="8103298" y="-6175"/>
-                  <a:pt x="8366232" y="26027"/>
-                  <a:pt x="8720866" y="0"/>
-                </a:cubicBezTo>
-                <a:cubicBezTo>
-                  <a:pt x="8721243" y="228571"/>
-                  <a:pt x="8718237" y="399537"/>
-                  <a:pt x="8720866" y="517515"/>
-                </a:cubicBezTo>
-                <a:cubicBezTo>
-                  <a:pt x="8723495" y="635494"/>
-                  <a:pt x="8745142" y="910609"/>
-                  <a:pt x="8720866" y="1105599"/>
-                </a:cubicBezTo>
-                <a:cubicBezTo>
-                  <a:pt x="8696590" y="1300589"/>
-                  <a:pt x="8740892" y="1456019"/>
-                  <a:pt x="8720866" y="1693684"/>
-                </a:cubicBezTo>
-                <a:cubicBezTo>
-                  <a:pt x="8700840" y="1931350"/>
-                  <a:pt x="8700029" y="2114990"/>
-                  <a:pt x="8720866" y="2246483"/>
-                </a:cubicBezTo>
-                <a:cubicBezTo>
-                  <a:pt x="8741703" y="2377976"/>
-                  <a:pt x="8697906" y="2643302"/>
-                  <a:pt x="8720866" y="2869853"/>
-                </a:cubicBezTo>
-                <a:cubicBezTo>
-                  <a:pt x="8743827" y="3096404"/>
-                  <a:pt x="8729627" y="3204829"/>
-                  <a:pt x="8720866" y="3528508"/>
-                </a:cubicBezTo>
-                <a:cubicBezTo>
-                  <a:pt x="8537535" y="3541361"/>
-                  <a:pt x="8377281" y="3543132"/>
-                  <a:pt x="8224447" y="3528508"/>
-                </a:cubicBezTo>
-                <a:cubicBezTo>
-                  <a:pt x="8071613" y="3513884"/>
-                  <a:pt x="7938155" y="3518695"/>
-                  <a:pt x="7815238" y="3528508"/>
-                </a:cubicBezTo>
-                <a:cubicBezTo>
-                  <a:pt x="7692321" y="3538321"/>
-                  <a:pt x="7520573" y="3524578"/>
-                  <a:pt x="7231610" y="3528508"/>
-                </a:cubicBezTo>
-                <a:cubicBezTo>
-                  <a:pt x="6942647" y="3532438"/>
-                  <a:pt x="6596861" y="3537510"/>
-                  <a:pt x="6386357" y="3528508"/>
-                </a:cubicBezTo>
-                <a:cubicBezTo>
-                  <a:pt x="6175853" y="3519506"/>
-                  <a:pt x="6129782" y="3526873"/>
-                  <a:pt x="5977147" y="3528508"/>
-                </a:cubicBezTo>
-                <a:cubicBezTo>
-                  <a:pt x="5824512" y="3530144"/>
-                  <a:pt x="5391228" y="3535553"/>
-                  <a:pt x="5219103" y="3528508"/>
-                </a:cubicBezTo>
-                <a:cubicBezTo>
-                  <a:pt x="5046978" y="3521463"/>
-                  <a:pt x="4878931" y="3522975"/>
-                  <a:pt x="4635476" y="3528508"/>
-                </a:cubicBezTo>
-                <a:cubicBezTo>
-                  <a:pt x="4392021" y="3534041"/>
-                  <a:pt x="4180224" y="3564582"/>
-                  <a:pt x="3790223" y="3528508"/>
-                </a:cubicBezTo>
-                <a:cubicBezTo>
-                  <a:pt x="3400222" y="3492434"/>
-                  <a:pt x="3148847" y="3514150"/>
-                  <a:pt x="2944969" y="3528508"/>
-                </a:cubicBezTo>
-                <a:cubicBezTo>
-                  <a:pt x="2741091" y="3542866"/>
-                  <a:pt x="2474076" y="3516969"/>
-                  <a:pt x="2274134" y="3528508"/>
-                </a:cubicBezTo>
-                <a:cubicBezTo>
-                  <a:pt x="2074193" y="3540047"/>
-                  <a:pt x="1835413" y="3526475"/>
-                  <a:pt x="1690506" y="3528508"/>
-                </a:cubicBezTo>
-                <a:cubicBezTo>
-                  <a:pt x="1545599" y="3530541"/>
-                  <a:pt x="1483697" y="3537043"/>
-                  <a:pt x="1281296" y="3528508"/>
-                </a:cubicBezTo>
-                <a:cubicBezTo>
-                  <a:pt x="1078895" y="3519974"/>
-                  <a:pt x="887596" y="3511378"/>
-                  <a:pt x="610461" y="3528508"/>
-                </a:cubicBezTo>
-                <a:cubicBezTo>
-                  <a:pt x="333327" y="3545638"/>
-                  <a:pt x="256725" y="3550985"/>
-                  <a:pt x="0" y="3528508"/>
-                </a:cubicBezTo>
-                <a:cubicBezTo>
-                  <a:pt x="12016" y="3270136"/>
-                  <a:pt x="18538" y="3175541"/>
-                  <a:pt x="0" y="2975708"/>
-                </a:cubicBezTo>
-                <a:cubicBezTo>
-                  <a:pt x="-18538" y="2775875"/>
-                  <a:pt x="-20148" y="2588958"/>
-                  <a:pt x="0" y="2387624"/>
-                </a:cubicBezTo>
-                <a:cubicBezTo>
-                  <a:pt x="20148" y="2186290"/>
-                  <a:pt x="-16808" y="2046461"/>
-                  <a:pt x="0" y="1905394"/>
-                </a:cubicBezTo>
-                <a:cubicBezTo>
-                  <a:pt x="16808" y="1764327"/>
-                  <a:pt x="16523" y="1561196"/>
-                  <a:pt x="0" y="1423165"/>
-                </a:cubicBezTo>
-                <a:cubicBezTo>
-                  <a:pt x="-16523" y="1285134"/>
-                  <a:pt x="-17949" y="1138430"/>
-                  <a:pt x="0" y="940935"/>
-                </a:cubicBezTo>
-                <a:cubicBezTo>
-                  <a:pt x="17949" y="743440"/>
-                  <a:pt x="-33943" y="277958"/>
-                  <a:pt x="0" y="0"/>
-                </a:cubicBezTo>
-                <a:close/>
-              </a:path>
-              <a:path w="8720866" h="3528508" stroke="0" extrusionOk="0">
-                <a:moveTo>
-                  <a:pt x="0" y="0"/>
-                </a:moveTo>
-                <a:cubicBezTo>
-                  <a:pt x="189199" y="28802"/>
-                  <a:pt x="377546" y="-11197"/>
-                  <a:pt x="583627" y="0"/>
-                </a:cubicBezTo>
-                <a:cubicBezTo>
-                  <a:pt x="789708" y="11197"/>
-                  <a:pt x="894224" y="-582"/>
-                  <a:pt x="992837" y="0"/>
-                </a:cubicBezTo>
-                <a:cubicBezTo>
-                  <a:pt x="1091450" y="582"/>
-                  <a:pt x="1330141" y="18435"/>
-                  <a:pt x="1576464" y="0"/>
-                </a:cubicBezTo>
-                <a:cubicBezTo>
-                  <a:pt x="1822787" y="-18435"/>
-                  <a:pt x="1894905" y="21657"/>
-                  <a:pt x="2072883" y="0"/>
-                </a:cubicBezTo>
-                <a:cubicBezTo>
-                  <a:pt x="2250861" y="-21657"/>
-                  <a:pt x="2472383" y="3381"/>
-                  <a:pt x="2743719" y="0"/>
-                </a:cubicBezTo>
-                <a:cubicBezTo>
-                  <a:pt x="3015055" y="-3381"/>
-                  <a:pt x="3344264" y="-29795"/>
-                  <a:pt x="3501763" y="0"/>
-                </a:cubicBezTo>
-                <a:cubicBezTo>
-                  <a:pt x="3659262" y="29795"/>
-                  <a:pt x="3773980" y="-12643"/>
-                  <a:pt x="3910973" y="0"/>
-                </a:cubicBezTo>
-                <a:cubicBezTo>
-                  <a:pt x="4047966" y="12643"/>
-                  <a:pt x="4350395" y="-5248"/>
-                  <a:pt x="4669017" y="0"/>
-                </a:cubicBezTo>
-                <a:cubicBezTo>
-                  <a:pt x="4987639" y="5248"/>
-                  <a:pt x="5132824" y="-16972"/>
-                  <a:pt x="5252645" y="0"/>
-                </a:cubicBezTo>
-                <a:cubicBezTo>
-                  <a:pt x="5372466" y="16972"/>
-                  <a:pt x="5750567" y="-6405"/>
-                  <a:pt x="5923481" y="0"/>
-                </a:cubicBezTo>
-                <a:cubicBezTo>
-                  <a:pt x="6096395" y="6405"/>
-                  <a:pt x="6317029" y="20913"/>
-                  <a:pt x="6419899" y="0"/>
-                </a:cubicBezTo>
-                <a:cubicBezTo>
-                  <a:pt x="6522769" y="-20913"/>
-                  <a:pt x="6838637" y="-14444"/>
-                  <a:pt x="7177944" y="0"/>
-                </a:cubicBezTo>
-                <a:cubicBezTo>
-                  <a:pt x="7517252" y="14444"/>
-                  <a:pt x="7597126" y="-21311"/>
-                  <a:pt x="7761571" y="0"/>
-                </a:cubicBezTo>
-                <a:cubicBezTo>
-                  <a:pt x="7926016" y="21311"/>
-                  <a:pt x="8486354" y="-43132"/>
-                  <a:pt x="8720866" y="0"/>
-                </a:cubicBezTo>
-                <a:cubicBezTo>
-                  <a:pt x="8719209" y="112718"/>
-                  <a:pt x="8733602" y="369296"/>
-                  <a:pt x="8720866" y="482229"/>
-                </a:cubicBezTo>
-                <a:cubicBezTo>
-                  <a:pt x="8708130" y="595162"/>
-                  <a:pt x="8746133" y="962919"/>
-                  <a:pt x="8720866" y="1105599"/>
-                </a:cubicBezTo>
-                <a:cubicBezTo>
-                  <a:pt x="8695600" y="1248279"/>
-                  <a:pt x="8714544" y="1631900"/>
-                  <a:pt x="8720866" y="1764254"/>
-                </a:cubicBezTo>
-                <a:cubicBezTo>
-                  <a:pt x="8727188" y="1896609"/>
-                  <a:pt x="8717719" y="2032365"/>
-                  <a:pt x="8720866" y="2281769"/>
-                </a:cubicBezTo>
-                <a:cubicBezTo>
-                  <a:pt x="8724013" y="2531174"/>
-                  <a:pt x="8712111" y="2618562"/>
-                  <a:pt x="8720866" y="2763998"/>
-                </a:cubicBezTo>
-                <a:cubicBezTo>
-                  <a:pt x="8729621" y="2909434"/>
-                  <a:pt x="8693147" y="3282838"/>
-                  <a:pt x="8720866" y="3528508"/>
-                </a:cubicBezTo>
-                <a:cubicBezTo>
-                  <a:pt x="8493006" y="3522224"/>
-                  <a:pt x="8133399" y="3527662"/>
-                  <a:pt x="7962821" y="3528508"/>
-                </a:cubicBezTo>
-                <a:cubicBezTo>
-                  <a:pt x="7792243" y="3529354"/>
-                  <a:pt x="7694804" y="3536945"/>
-                  <a:pt x="7553612" y="3528508"/>
-                </a:cubicBezTo>
-                <a:cubicBezTo>
-                  <a:pt x="7412420" y="3520071"/>
-                  <a:pt x="7177494" y="3507085"/>
-                  <a:pt x="6969984" y="3528508"/>
-                </a:cubicBezTo>
-                <a:cubicBezTo>
-                  <a:pt x="6762474" y="3549931"/>
-                  <a:pt x="6383745" y="3522052"/>
-                  <a:pt x="6124731" y="3528508"/>
-                </a:cubicBezTo>
-                <a:cubicBezTo>
-                  <a:pt x="5865717" y="3534964"/>
-                  <a:pt x="5646647" y="3558433"/>
-                  <a:pt x="5279478" y="3528508"/>
-                </a:cubicBezTo>
-                <a:cubicBezTo>
-                  <a:pt x="4912309" y="3498583"/>
-                  <a:pt x="4912916" y="3527086"/>
-                  <a:pt x="4608642" y="3528508"/>
-                </a:cubicBezTo>
-                <a:cubicBezTo>
-                  <a:pt x="4304368" y="3529930"/>
-                  <a:pt x="4319005" y="3542334"/>
-                  <a:pt x="4112224" y="3528508"/>
-                </a:cubicBezTo>
-                <a:cubicBezTo>
-                  <a:pt x="3905443" y="3514682"/>
-                  <a:pt x="3723575" y="3552772"/>
-                  <a:pt x="3441388" y="3528508"/>
-                </a:cubicBezTo>
-                <a:cubicBezTo>
-                  <a:pt x="3159201" y="3504244"/>
-                  <a:pt x="2975680" y="3549504"/>
-                  <a:pt x="2596135" y="3528508"/>
-                </a:cubicBezTo>
-                <a:cubicBezTo>
-                  <a:pt x="2216590" y="3507512"/>
-                  <a:pt x="2005365" y="3551469"/>
-                  <a:pt x="1838090" y="3528508"/>
-                </a:cubicBezTo>
-                <a:cubicBezTo>
-                  <a:pt x="1670816" y="3505547"/>
-                  <a:pt x="1488074" y="3514063"/>
-                  <a:pt x="1254463" y="3528508"/>
-                </a:cubicBezTo>
-                <a:cubicBezTo>
-                  <a:pt x="1020852" y="3542953"/>
-                  <a:pt x="842028" y="3496867"/>
-                  <a:pt x="583627" y="3528508"/>
-                </a:cubicBezTo>
-                <a:cubicBezTo>
-                  <a:pt x="325226" y="3560149"/>
-                  <a:pt x="141682" y="3529396"/>
-                  <a:pt x="0" y="3528508"/>
-                </a:cubicBezTo>
-                <a:cubicBezTo>
-                  <a:pt x="7193" y="3239964"/>
-                  <a:pt x="2066" y="3172583"/>
-                  <a:pt x="0" y="2905138"/>
-                </a:cubicBezTo>
-                <a:cubicBezTo>
-                  <a:pt x="-2066" y="2637693"/>
-                  <a:pt x="2385" y="2536910"/>
-                  <a:pt x="0" y="2352339"/>
-                </a:cubicBezTo>
-                <a:cubicBezTo>
-                  <a:pt x="-2385" y="2167768"/>
-                  <a:pt x="3403" y="1900585"/>
-                  <a:pt x="0" y="1693684"/>
-                </a:cubicBezTo>
-                <a:cubicBezTo>
-                  <a:pt x="-3403" y="1486783"/>
-                  <a:pt x="-1178" y="1426886"/>
-                  <a:pt x="0" y="1176169"/>
-                </a:cubicBezTo>
-                <a:cubicBezTo>
-                  <a:pt x="1178" y="925452"/>
-                  <a:pt x="9500" y="851043"/>
-                  <a:pt x="0" y="623370"/>
-                </a:cubicBezTo>
-                <a:cubicBezTo>
-                  <a:pt x="-9500" y="395697"/>
-                  <a:pt x="10820" y="179123"/>
-                  <a:pt x="0" y="0"/>
-                </a:cubicBezTo>
-                <a:close/>
-              </a:path>
-            </a:pathLst>
-          </a:custGeom>
-          <a:solidFill>
-            <a:schemeClr val="bg1">
-              <a:alpha val="88000"/>
-            </a:schemeClr>
-          </a:solidFill>
-          <a:ln>
-            <a:solidFill>
-              <a:schemeClr val="tx1"/>
-            </a:solidFill>
-            <a:extLst>
-              <a:ext uri="{C807C97D-BFC1-408E-A445-0C87EB9F89A2}">
-                <ask:lineSketchStyleProps xmlns:ask="http://schemas.microsoft.com/office/drawing/2018/sketchyshapes" sd="2205362852">
-                  <a:prstGeom prst="rect">
-                    <a:avLst/>
-                  </a:prstGeom>
-                  <ask:type>
-                    <ask:lineSketchFreehand/>
-                  </ask:type>
-                </ask:lineSketchStyleProps>
-              </a:ext>
-            </a:extLst>
-          </a:ln>
-        </p:spPr>
-        <p:style>
-          <a:lnRef idx="2">
-            <a:schemeClr val="accent1">
-              <a:shade val="50000"/>
-            </a:schemeClr>
-          </a:lnRef>
-          <a:fillRef idx="1">
-            <a:schemeClr val="accent1"/>
-          </a:fillRef>
-          <a:effectRef idx="0">
-            <a:schemeClr val="accent1"/>
-          </a:effectRef>
-          <a:fontRef idx="minor">
-            <a:schemeClr val="lt1"/>
-          </a:fontRef>
-        </p:style>
-        <p:txBody>
-          <a:bodyPr rtlCol="0" anchor="ctr"/>
-          <a:lstStyle/>
-          <a:p>
-            <a:pPr algn="ctr"/>
-            <a:endParaRPr lang="en-US"/>
-          </a:p>
-        </p:txBody>
-      </p:sp>
       <p:sp>
         <p:nvSpPr>
           <p:cNvPr id="2" name="Title 1">
@@ -4291,37 +3568,6 @@
           </a:p>
         </p:txBody>
       </p:sp>
-      <p:pic>
-        <p:nvPicPr>
-          <p:cNvPr id="4" name="Picture 3">
-            <a:extLst>
-              <a:ext uri="{FF2B5EF4-FFF2-40B4-BE49-F238E27FC236}">
-                <a16:creationId xmlns:a16="http://schemas.microsoft.com/office/drawing/2014/main" id="{9950F926-FD9D-4442-A82E-05D2A3C67F71}"/>
-              </a:ext>
-            </a:extLst>
-          </p:cNvPr>
-          <p:cNvPicPr>
-            <a:picLocks noChangeAspect="1"/>
-          </p:cNvPicPr>
-          <p:nvPr/>
-        </p:nvPicPr>
-        <p:blipFill rotWithShape="1">
-          <a:blip r:embed="rId2">
-            <a:biLevel thresh="50000"/>
-          </a:blip>
-          <a:srcRect l="-15124" t="82889" r="31399" b="5157"/>
-          <a:stretch/>
-        </p:blipFill>
-        <p:spPr>
-          <a:xfrm>
-            <a:off x="-1340270" y="1144588"/>
-            <a:ext cx="5741892" cy="819785"/>
-          </a:xfrm>
-          <a:prstGeom prst="rect">
-            <a:avLst/>
-          </a:prstGeom>
-        </p:spPr>
-      </p:pic>
     </p:spTree>
     <p:extLst>
       <p:ext uri="{BB962C8B-B14F-4D97-AF65-F5344CB8AC3E}">
@@ -4509,67 +3755,6 @@
           <a:chExt cx="0" cy="0"/>
         </a:xfrm>
       </p:grpSpPr>
-      <p:pic>
-        <p:nvPicPr>
-          <p:cNvPr id="6" name="Content Placeholder 5" descr="Multi-colored sticky notes on a whiteboard">
-            <a:extLst>
-              <a:ext uri="{FF2B5EF4-FFF2-40B4-BE49-F238E27FC236}">
-                <a16:creationId xmlns:a16="http://schemas.microsoft.com/office/drawing/2014/main" id="{30C2CAEB-36EE-4801-835C-905464FDE00D}"/>
-              </a:ext>
-            </a:extLst>
-          </p:cNvPr>
-          <p:cNvPicPr>
-            <a:picLocks noGrp="1" noChangeAspect="1"/>
-          </p:cNvPicPr>
-          <p:nvPr>
-            <p:ph sz="half" idx="2"/>
-          </p:nvPr>
-        </p:nvPicPr>
-        <p:blipFill rotWithShape="1">
-          <a:blip r:embed="rId2">
-            <a:alphaModFix/>
-            <a:extLst>
-              <a:ext uri="{28A0092B-C50C-407E-A947-70E740481C1C}">
-                <a14:useLocalDpi xmlns:a14="http://schemas.microsoft.com/office/drawing/2010/main" val="0"/>
-              </a:ext>
-            </a:extLst>
-          </a:blip>
-          <a:srcRect r="21372" b="14216"/>
-          <a:stretch/>
-        </p:blipFill>
-        <p:spPr>
-          <a:xfrm>
-            <a:off x="2774080" y="9656"/>
-            <a:ext cx="9417920" cy="6848344"/>
-          </a:xfrm>
-          <a:gradFill>
-            <a:gsLst>
-              <a:gs pos="0">
-                <a:schemeClr val="bg1"/>
-              </a:gs>
-              <a:gs pos="74000">
-                <a:schemeClr val="accent1">
-                  <a:lumMod val="45000"/>
-                  <a:lumOff val="55000"/>
-                </a:schemeClr>
-              </a:gs>
-              <a:gs pos="83000">
-                <a:schemeClr val="accent1">
-                  <a:lumMod val="45000"/>
-                  <a:lumOff val="55000"/>
-                </a:schemeClr>
-              </a:gs>
-              <a:gs pos="100000">
-                <a:schemeClr val="accent1">
-                  <a:lumMod val="30000"/>
-                  <a:lumOff val="70000"/>
-                </a:schemeClr>
-              </a:gs>
-            </a:gsLst>
-            <a:lin ang="2700000" scaled="1"/>
-          </a:gradFill>
-        </p:spPr>
-      </p:pic>
       <p:sp>
         <p:nvSpPr>
           <p:cNvPr id="7" name="Rectangle 6">
@@ -4750,37 +3935,31 @@
           </a:p>
         </p:txBody>
       </p:sp>
-      <p:pic>
-        <p:nvPicPr>
-          <p:cNvPr id="16" name="Picture 15">
-            <a:extLst>
-              <a:ext uri="{FF2B5EF4-FFF2-40B4-BE49-F238E27FC236}">
-                <a16:creationId xmlns:a16="http://schemas.microsoft.com/office/drawing/2014/main" id="{84DEF2A7-F7DF-4221-A9FD-FB7FEBD71DD4}"/>
-              </a:ext>
-            </a:extLst>
-          </p:cNvPr>
-          <p:cNvPicPr>
-            <a:picLocks noChangeAspect="1"/>
-          </p:cNvPicPr>
-          <p:nvPr/>
-        </p:nvPicPr>
-        <p:blipFill rotWithShape="1">
-          <a:blip r:embed="rId3">
-            <a:biLevel thresh="50000"/>
-          </a:blip>
-          <a:srcRect l="16439" t="82889" r="31399" b="5157"/>
-          <a:stretch/>
-        </p:blipFill>
-        <p:spPr>
-          <a:xfrm>
-            <a:off x="-1" y="1144588"/>
-            <a:ext cx="3577319" cy="819785"/>
-          </a:xfrm>
-          <a:prstGeom prst="rect">
-            <a:avLst/>
-          </a:prstGeom>
-        </p:spPr>
-      </p:pic>
+      <p:sp>
+        <p:nvSpPr>
+          <p:cNvPr id="5" name="Content Placeholder 4">
+            <a:extLst>
+              <a:ext uri="{FF2B5EF4-FFF2-40B4-BE49-F238E27FC236}">
+                <a16:creationId xmlns:a16="http://schemas.microsoft.com/office/drawing/2014/main" id="{159308DC-B6CE-44F2-A151-DCCFE4E88324}"/>
+              </a:ext>
+            </a:extLst>
+          </p:cNvPr>
+          <p:cNvSpPr>
+            <a:spLocks noGrp="1"/>
+          </p:cNvSpPr>
+          <p:nvPr>
+            <p:ph sz="half" idx="2"/>
+          </p:nvPr>
+        </p:nvSpPr>
+        <p:spPr/>
+        <p:txBody>
+          <a:bodyPr/>
+          <a:lstStyle/>
+          <a:p>
+            <a:endParaRPr lang="en-US"/>
+          </a:p>
+        </p:txBody>
+      </p:sp>
     </p:spTree>
     <p:extLst>
       <p:ext uri="{BB962C8B-B14F-4D97-AF65-F5344CB8AC3E}">
@@ -4811,43 +3990,6 @@
           <a:chExt cx="0" cy="0"/>
         </a:xfrm>
       </p:grpSpPr>
-      <p:pic>
-        <p:nvPicPr>
-          <p:cNvPr id="18" name="Picture 17">
-            <a:extLst>
-              <a:ext uri="{FF2B5EF4-FFF2-40B4-BE49-F238E27FC236}">
-                <a16:creationId xmlns:a16="http://schemas.microsoft.com/office/drawing/2014/main" id="{DE1DA8D9-B229-4DBF-B584-03370369F604}"/>
-              </a:ext>
-            </a:extLst>
-          </p:cNvPr>
-          <p:cNvPicPr>
-            <a:picLocks noChangeAspect="1"/>
-          </p:cNvPicPr>
-          <p:nvPr/>
-        </p:nvPicPr>
-        <p:blipFill rotWithShape="1">
-          <a:blip r:embed="rId2">
-            <a:duotone>
-              <a:schemeClr val="bg2">
-                <a:shade val="45000"/>
-                <a:satMod val="135000"/>
-              </a:schemeClr>
-              <a:prstClr val="white"/>
-            </a:duotone>
-          </a:blip>
-          <a:srcRect l="16439" t="82889" r="31399" b="5157"/>
-          <a:stretch/>
-        </p:blipFill>
-        <p:spPr>
-          <a:xfrm>
-            <a:off x="0" y="884356"/>
-            <a:ext cx="6373504" cy="1460564"/>
-          </a:xfrm>
-          <a:prstGeom prst="rect">
-            <a:avLst/>
-          </a:prstGeom>
-        </p:spPr>
-      </p:pic>
       <p:sp>
         <p:nvSpPr>
           <p:cNvPr id="2" name="Title 1">
@@ -4932,37 +4074,6 @@
           </a:p>
         </p:txBody>
       </p:sp>
-      <p:pic>
-        <p:nvPicPr>
-          <p:cNvPr id="16" name="Picture 15">
-            <a:extLst>
-              <a:ext uri="{FF2B5EF4-FFF2-40B4-BE49-F238E27FC236}">
-                <a16:creationId xmlns:a16="http://schemas.microsoft.com/office/drawing/2014/main" id="{D3EBC8D8-5924-4423-9462-B0B1719C52B9}"/>
-              </a:ext>
-            </a:extLst>
-          </p:cNvPr>
-          <p:cNvPicPr>
-            <a:picLocks noChangeAspect="1"/>
-          </p:cNvPicPr>
-          <p:nvPr/>
-        </p:nvPicPr>
-        <p:blipFill rotWithShape="1">
-          <a:blip r:embed="rId2">
-            <a:biLevel thresh="50000"/>
-          </a:blip>
-          <a:srcRect l="16439" t="82889" r="31399" b="5157"/>
-          <a:stretch/>
-        </p:blipFill>
-        <p:spPr>
-          <a:xfrm>
-            <a:off x="-1" y="1144588"/>
-            <a:ext cx="3577319" cy="819785"/>
-          </a:xfrm>
-          <a:prstGeom prst="rect">
-            <a:avLst/>
-          </a:prstGeom>
-        </p:spPr>
-      </p:pic>
     </p:spTree>
     <p:extLst>
       <p:ext uri="{BB962C8B-B14F-4D97-AF65-F5344CB8AC3E}">
@@ -5290,37 +4401,6 @@
           </a:p>
         </p:txBody>
       </p:sp>
-      <p:pic>
-        <p:nvPicPr>
-          <p:cNvPr id="8" name="Picture 7">
-            <a:extLst>
-              <a:ext uri="{FF2B5EF4-FFF2-40B4-BE49-F238E27FC236}">
-                <a16:creationId xmlns:a16="http://schemas.microsoft.com/office/drawing/2014/main" id="{ABF00C57-9029-4195-84DC-C51782205E0D}"/>
-              </a:ext>
-            </a:extLst>
-          </p:cNvPr>
-          <p:cNvPicPr>
-            <a:picLocks noChangeAspect="1"/>
-          </p:cNvPicPr>
-          <p:nvPr/>
-        </p:nvPicPr>
-        <p:blipFill rotWithShape="1">
-          <a:blip r:embed="rId2">
-            <a:biLevel thresh="50000"/>
-          </a:blip>
-          <a:srcRect l="16439" t="82889" r="31399" b="5157"/>
-          <a:stretch/>
-        </p:blipFill>
-        <p:spPr>
-          <a:xfrm>
-            <a:off x="-1" y="1144588"/>
-            <a:ext cx="3577319" cy="819785"/>
-          </a:xfrm>
-          <a:prstGeom prst="rect">
-            <a:avLst/>
-          </a:prstGeom>
-        </p:spPr>
-      </p:pic>
     </p:spTree>
     <p:extLst>
       <p:ext uri="{BB962C8B-B14F-4D97-AF65-F5344CB8AC3E}">
@@ -5684,37 +4764,6 @@
           </a:graphicData>
         </a:graphic>
       </p:graphicFrame>
-      <p:pic>
-        <p:nvPicPr>
-          <p:cNvPr id="5" name="Picture 4">
-            <a:extLst>
-              <a:ext uri="{FF2B5EF4-FFF2-40B4-BE49-F238E27FC236}">
-                <a16:creationId xmlns:a16="http://schemas.microsoft.com/office/drawing/2014/main" id="{4DA18907-944C-45CD-9D3A-37376B3B637A}"/>
-              </a:ext>
-            </a:extLst>
-          </p:cNvPr>
-          <p:cNvPicPr>
-            <a:picLocks noChangeAspect="1"/>
-          </p:cNvPicPr>
-          <p:nvPr/>
-        </p:nvPicPr>
-        <p:blipFill rotWithShape="1">
-          <a:blip r:embed="rId2">
-            <a:biLevel thresh="50000"/>
-          </a:blip>
-          <a:srcRect l="-15124" t="82889" r="31399" b="5157"/>
-          <a:stretch/>
-        </p:blipFill>
-        <p:spPr>
-          <a:xfrm>
-            <a:off x="-1340270" y="1144588"/>
-            <a:ext cx="5741892" cy="819785"/>
-          </a:xfrm>
-          <a:prstGeom prst="rect">
-            <a:avLst/>
-          </a:prstGeom>
-        </p:spPr>
-      </p:pic>
     </p:spTree>
     <p:extLst>
       <p:ext uri="{BB962C8B-B14F-4D97-AF65-F5344CB8AC3E}">
@@ -8406,37 +7455,6 @@
           </a:p>
         </p:txBody>
       </p:sp>
-      <p:pic>
-        <p:nvPicPr>
-          <p:cNvPr id="25" name="Picture 24">
-            <a:extLst>
-              <a:ext uri="{FF2B5EF4-FFF2-40B4-BE49-F238E27FC236}">
-                <a16:creationId xmlns:a16="http://schemas.microsoft.com/office/drawing/2014/main" id="{01D5D57D-2320-4B60-B9BC-DCAEDF75F63F}"/>
-              </a:ext>
-            </a:extLst>
-          </p:cNvPr>
-          <p:cNvPicPr>
-            <a:picLocks noChangeAspect="1"/>
-          </p:cNvPicPr>
-          <p:nvPr/>
-        </p:nvPicPr>
-        <p:blipFill rotWithShape="1">
-          <a:blip r:embed="rId3">
-            <a:biLevel thresh="50000"/>
-          </a:blip>
-          <a:srcRect l="-15124" t="82889" r="31399" b="5157"/>
-          <a:stretch/>
-        </p:blipFill>
-        <p:spPr>
-          <a:xfrm>
-            <a:off x="-1340270" y="1144588"/>
-            <a:ext cx="5741892" cy="819785"/>
-          </a:xfrm>
-          <a:prstGeom prst="rect">
-            <a:avLst/>
-          </a:prstGeom>
-        </p:spPr>
-      </p:pic>
     </p:spTree>
     <p:extLst>
       <p:ext uri="{BB962C8B-B14F-4D97-AF65-F5344CB8AC3E}">
@@ -9942,37 +8960,6 @@
           </a:prstGeom>
         </p:spPr>
       </p:pic>
-      <p:pic>
-        <p:nvPicPr>
-          <p:cNvPr id="13" name="Picture 12">
-            <a:extLst>
-              <a:ext uri="{FF2B5EF4-FFF2-40B4-BE49-F238E27FC236}">
-                <a16:creationId xmlns:a16="http://schemas.microsoft.com/office/drawing/2014/main" id="{8F28F9D6-E1C7-4154-A0C4-4C5F9BF74201}"/>
-              </a:ext>
-            </a:extLst>
-          </p:cNvPr>
-          <p:cNvPicPr>
-            <a:picLocks noChangeAspect="1"/>
-          </p:cNvPicPr>
-          <p:nvPr/>
-        </p:nvPicPr>
-        <p:blipFill rotWithShape="1">
-          <a:blip r:embed="rId15">
-            <a:biLevel thresh="50000"/>
-          </a:blip>
-          <a:srcRect l="-15124" t="82889" r="31399" b="5157"/>
-          <a:stretch/>
-        </p:blipFill>
-        <p:spPr>
-          <a:xfrm>
-            <a:off x="-1340270" y="1144588"/>
-            <a:ext cx="5741892" cy="819785"/>
-          </a:xfrm>
-          <a:prstGeom prst="rect">
-            <a:avLst/>
-          </a:prstGeom>
-        </p:spPr>
-      </p:pic>
     </p:spTree>
     <p:extLst>
       <p:ext uri="{BB962C8B-B14F-4D97-AF65-F5344CB8AC3E}">
